--- a/电磁场与波/课件/2-矢量场(3)-分类及其场源因果关系.pptx
+++ b/电磁场与波/课件/2-矢量场(3)-分类及其场源因果关系.pptx
@@ -222,7 +222,7 @@
           <a:p>
             <a:fld id="{A2190033-C8F9-4001-BA76-B1707BA7B576}" type="datetimeFigureOut">
               <a:rPr lang="zh-CN" altLang="en-US" smtClean="0"/>
-              <a:t>2020/12/9</a:t>
+              <a:t>2021/6/30</a:t>
             </a:fld>
             <a:endParaRPr lang="zh-CN" altLang="en-US"/>
           </a:p>
@@ -719,7 +719,7 @@
               <a:defRPr/>
             </a:pPr>
             <a:r>
-              <a:rPr lang="zh-CN" altLang="zh-CN" sz="1200" kern="1200" dirty="0" smtClean="0">
+              <a:rPr lang="zh-CN" altLang="zh-CN" sz="1200" kern="1200" dirty="0">
                 <a:solidFill>
                   <a:schemeClr val="tx1"/>
                 </a:solidFill>
@@ -730,7 +730,7 @@
               </a:rPr>
               <a:t>任何物理矢量在空间分布所形成的矢量场，都是由其场源所产生而形成的结果。通过矢量场分析可知，有两种产生矢量场的场源，分别为散度源和旋度源，并形成相应的无旋场和无散场。场源可以点分布、线分布、面分布、体分布等四种形式存在于空间各区域中与包围面上。一定空间中的任意矢量场，均可通过因果关系的分析认识，由该空间内的体分布场源以及该空间包围面上的面分布场源的贡献，给出其表达式。</a:t>
             </a:r>
-            <a:endParaRPr lang="en-US" altLang="zh-CN" sz="1200" kern="1200" dirty="0" smtClean="0">
+            <a:endParaRPr lang="en-US" altLang="zh-CN" sz="1200" kern="1200" dirty="0">
               <a:solidFill>
                 <a:schemeClr val="tx1"/>
               </a:solidFill>
@@ -758,7 +758,7 @@
               <a:tabLst/>
               <a:defRPr/>
             </a:pPr>
-            <a:endParaRPr lang="zh-CN" altLang="zh-CN" sz="1200" kern="1200" dirty="0" smtClean="0">
+            <a:endParaRPr lang="zh-CN" altLang="zh-CN" sz="1200" kern="1200" dirty="0">
               <a:solidFill>
                 <a:schemeClr val="tx1"/>
               </a:solidFill>
@@ -1375,7 +1375,7 @@
               <a:defRPr/>
             </a:pPr>
             <a:r>
-              <a:rPr lang="zh-CN" altLang="zh-CN" sz="1200" kern="1200" dirty="0" smtClean="0">
+              <a:rPr lang="zh-CN" altLang="zh-CN" sz="1200" kern="1200" dirty="0">
                 <a:solidFill>
                   <a:schemeClr val="tx1"/>
                 </a:solidFill>
@@ -1387,7 +1387,7 @@
               <a:t>通过对自然界存在的各种矢量场的观察得知，矢量场可以发散状或涡旋状分布于空间中，也可以两者叠加组合的形式分布于空间中。矢量场的空间分布变化和类型，由其发散场和涡旋场源强类型和分布决定。由此，根据矢量场空间中的源强类型和分布，可将矢量场分为四种类型，分别为：</a:t>
             </a:r>
             <a:r>
-              <a:rPr lang="zh-CN" altLang="zh-CN" sz="1200" b="1" kern="1200" dirty="0" smtClean="0">
+              <a:rPr lang="zh-CN" altLang="zh-CN" sz="1200" b="1" kern="1200" dirty="0">
                 <a:solidFill>
                   <a:schemeClr val="tx1"/>
                 </a:solidFill>
@@ -1399,7 +1399,7 @@
               <a:t>无旋场</a:t>
             </a:r>
             <a:r>
-              <a:rPr lang="zh-CN" altLang="zh-CN" sz="1200" kern="1200" dirty="0" smtClean="0">
+              <a:rPr lang="zh-CN" altLang="zh-CN" sz="1200" kern="1200" dirty="0">
                 <a:solidFill>
                   <a:schemeClr val="tx1"/>
                 </a:solidFill>
@@ -1411,7 +1411,7 @@
               <a:t>，即场分布空间内不存在旋度源，而仅可存在散度源；</a:t>
             </a:r>
             <a:r>
-              <a:rPr lang="zh-CN" altLang="zh-CN" sz="1200" b="1" kern="1200" dirty="0" smtClean="0">
+              <a:rPr lang="zh-CN" altLang="zh-CN" sz="1200" b="1" kern="1200" dirty="0">
                 <a:solidFill>
                   <a:schemeClr val="tx1"/>
                 </a:solidFill>
@@ -1423,7 +1423,7 @@
               <a:t>无散场</a:t>
             </a:r>
             <a:r>
-              <a:rPr lang="zh-CN" altLang="zh-CN" sz="1200" kern="1200" dirty="0" smtClean="0">
+              <a:rPr lang="zh-CN" altLang="zh-CN" sz="1200" kern="1200" dirty="0">
                 <a:solidFill>
                   <a:schemeClr val="tx1"/>
                 </a:solidFill>
@@ -1435,7 +1435,7 @@
               <a:t>，即场分布空间内不存在散度源，而仅可存在旋度源；</a:t>
             </a:r>
             <a:r>
-              <a:rPr lang="zh-CN" altLang="zh-CN" sz="1200" b="1" kern="1200" dirty="0" smtClean="0">
+              <a:rPr lang="zh-CN" altLang="zh-CN" sz="1200" b="1" kern="1200" dirty="0">
                 <a:solidFill>
                   <a:schemeClr val="tx1"/>
                 </a:solidFill>
@@ -1447,7 +1447,7 @@
               <a:t>有散有旋场</a:t>
             </a:r>
             <a:r>
-              <a:rPr lang="zh-CN" altLang="zh-CN" sz="1200" kern="1200" dirty="0" smtClean="0">
+              <a:rPr lang="zh-CN" altLang="zh-CN" sz="1200" kern="1200" dirty="0">
                 <a:solidFill>
                   <a:schemeClr val="tx1"/>
                 </a:solidFill>
@@ -1459,7 +1459,7 @@
               <a:t>，即场分布空间内即存在散度源也存在旋度源；</a:t>
             </a:r>
             <a:r>
-              <a:rPr lang="zh-CN" altLang="zh-CN" sz="1200" b="1" kern="1200" dirty="0" smtClean="0">
+              <a:rPr lang="zh-CN" altLang="zh-CN" sz="1200" b="1" kern="1200" dirty="0">
                 <a:solidFill>
                   <a:schemeClr val="tx1"/>
                 </a:solidFill>
@@ -1471,7 +1471,7 @@
               <a:t>无散无旋场</a:t>
             </a:r>
             <a:r>
-              <a:rPr lang="zh-CN" altLang="zh-CN" sz="1200" kern="1200" dirty="0" smtClean="0">
+              <a:rPr lang="zh-CN" altLang="zh-CN" sz="1200" kern="1200" dirty="0">
                 <a:solidFill>
                   <a:schemeClr val="tx1"/>
                 </a:solidFill>
@@ -1586,7 +1586,7 @@
               <a:defRPr/>
             </a:pPr>
             <a:r>
-              <a:rPr lang="zh-CN" altLang="zh-CN" sz="1200" kern="1200" dirty="0" smtClean="0">
+              <a:rPr lang="zh-CN" altLang="zh-CN" sz="1200" kern="1200" dirty="0">
                 <a:solidFill>
                   <a:schemeClr val="tx1"/>
                 </a:solidFill>
@@ -1701,7 +1701,7 @@
               <a:defRPr/>
             </a:pPr>
             <a:r>
-              <a:rPr lang="zh-CN" altLang="zh-CN" sz="1200" kern="1200" dirty="0" smtClean="0">
+              <a:rPr lang="zh-CN" altLang="zh-CN" sz="1200" kern="1200" dirty="0">
                 <a:solidFill>
                   <a:schemeClr val="tx1"/>
                 </a:solidFill>
@@ -1799,7 +1799,7 @@
           <a:lstStyle/>
           <a:p>
             <a:r>
-              <a:rPr lang="zh-CN" altLang="zh-CN" sz="1200" kern="1200" dirty="0" smtClean="0">
+              <a:rPr lang="zh-CN" altLang="zh-CN" sz="1200" kern="1200" dirty="0">
                 <a:solidFill>
                   <a:schemeClr val="tx1"/>
                 </a:solidFill>
@@ -1810,15 +1810,6 @@
               </a:rPr>
               <a:t>分析方法：将分别求知的无旋场和无散场进行叠加。无旋场和无散场可分别通过相应的标量位和矢量位分析得到。</a:t>
             </a:r>
-            <a:endParaRPr lang="zh-CN" altLang="zh-CN" sz="1200" kern="1200" dirty="0">
-              <a:solidFill>
-                <a:schemeClr val="tx1"/>
-              </a:solidFill>
-              <a:effectLst/>
-              <a:latin typeface="+mn-lt"/>
-              <a:ea typeface="+mn-ea"/>
-              <a:cs typeface="+mn-cs"/>
-            </a:endParaRPr>
           </a:p>
         </p:txBody>
       </p:sp>
@@ -1920,7 +1911,7 @@
               <a:defRPr/>
             </a:pPr>
             <a:r>
-              <a:rPr lang="zh-CN" altLang="zh-CN" sz="1200" kern="1200" dirty="0" smtClean="0">
+              <a:rPr lang="zh-CN" altLang="zh-CN" sz="1200" kern="1200" dirty="0">
                 <a:solidFill>
                   <a:schemeClr val="tx1"/>
                 </a:solidFill>
@@ -2090,13 +2081,6 @@
   <p:clrMapOvr>
     <a:masterClrMapping/>
   </p:clrMapOvr>
-  <p:timing>
-    <p:tnLst>
-      <p:par>
-        <p:cTn id="1" dur="indefinite" restart="never" nodeType="tmRoot"/>
-      </p:par>
-    </p:tnLst>
-  </p:timing>
 </p:sldLayout>
 </file>
 
@@ -3029,13 +3013,6 @@
       <p:transition advTm="10592"/>
     </mc:Fallback>
   </mc:AlternateContent>
-  <p:timing>
-    <p:tnLst>
-      <p:par>
-        <p:cTn id="1" dur="indefinite" restart="never" nodeType="tmRoot"/>
-      </p:par>
-    </p:tnLst>
-  </p:timing>
 </p:sld>
 </file>
 
@@ -3078,12 +3055,12 @@
           <a:graphicData uri="http://schemas.openxmlformats.org/presentationml/2006/ole">
             <mc:AlternateContent xmlns:mc="http://schemas.openxmlformats.org/markup-compatibility/2006">
               <mc:Choice xmlns:v="urn:schemas-microsoft-com:vml" Requires="v">
-                <p:oleObj spid="_x0000_s33884" name="Equation" r:id="rId3" imgW="1485720" imgH="444240" progId="Equation.DSMT4">
+                <p:oleObj name="Equation" r:id="rId2" imgW="1485720" imgH="444240" progId="Equation.DSMT4">
                   <p:embed/>
                 </p:oleObj>
               </mc:Choice>
               <mc:Fallback>
-                <p:oleObj name="Equation" r:id="rId3" imgW="1485720" imgH="444240" progId="Equation.DSMT4">
+                <p:oleObj name="Equation" r:id="rId2" imgW="1485720" imgH="444240" progId="Equation.DSMT4">
                   <p:embed/>
                   <p:pic>
                     <p:nvPicPr>
@@ -3094,7 +3071,7 @@
                       <p:nvPr/>
                     </p:nvPicPr>
                     <p:blipFill>
-                      <a:blip r:embed="rId4"/>
+                      <a:blip r:embed="rId3"/>
                       <a:srcRect/>
                       <a:stretch>
                         <a:fillRect/>
@@ -3366,17 +3343,6 @@
               <a:buNone/>
             </a:pPr>
             <a:r>
-              <a:rPr lang="zh-CN" altLang="en-US" sz="2400" dirty="0" smtClean="0">
-                <a:solidFill>
-                  <a:srgbClr val="009E9A"/>
-                </a:solidFill>
-                <a:latin typeface="宋体" panose="02010600030101010101" pitchFamily="2" charset="-122"/>
-                <a:ea typeface="宋体" panose="02010600030101010101" pitchFamily="2" charset="-122"/>
-                <a:cs typeface="Times New Roman" panose="02020603050405020304" pitchFamily="18" charset="0"/>
-              </a:rPr>
-              <a:t>拉普拉斯</a:t>
-            </a:r>
-            <a:r>
               <a:rPr lang="zh-CN" altLang="en-US" sz="2400" dirty="0">
                 <a:solidFill>
                   <a:srgbClr val="009E9A"/>
@@ -3385,7 +3351,7 @@
                 <a:ea typeface="宋体" panose="02010600030101010101" pitchFamily="2" charset="-122"/>
                 <a:cs typeface="Times New Roman" panose="02020603050405020304" pitchFamily="18" charset="0"/>
               </a:rPr>
-              <a:t>运算</a:t>
+              <a:t>拉普拉斯运算</a:t>
             </a:r>
           </a:p>
         </p:txBody>
@@ -3412,12 +3378,12 @@
           <a:graphicData uri="http://schemas.openxmlformats.org/presentationml/2006/ole">
             <mc:AlternateContent xmlns:mc="http://schemas.openxmlformats.org/markup-compatibility/2006">
               <mc:Choice xmlns:v="urn:schemas-microsoft-com:vml" Requires="v">
-                <p:oleObj spid="_x0000_s33885" name="Equation" r:id="rId5" imgW="2247840" imgH="444240" progId="Equation.DSMT4">
+                <p:oleObj name="Equation" r:id="rId4" imgW="2247840" imgH="444240" progId="Equation.DSMT4">
                   <p:embed/>
                 </p:oleObj>
               </mc:Choice>
               <mc:Fallback>
-                <p:oleObj name="Equation" r:id="rId5" imgW="2247840" imgH="444240" progId="Equation.DSMT4">
+                <p:oleObj name="Equation" r:id="rId4" imgW="2247840" imgH="444240" progId="Equation.DSMT4">
                   <p:embed/>
                   <p:pic>
                     <p:nvPicPr>
@@ -3428,7 +3394,7 @@
                       <p:nvPr/>
                     </p:nvPicPr>
                     <p:blipFill>
-                      <a:blip r:embed="rId6"/>
+                      <a:blip r:embed="rId5"/>
                       <a:srcRect/>
                       <a:stretch>
                         <a:fillRect/>
@@ -3495,12 +3461,12 @@
           <a:graphicData uri="http://schemas.openxmlformats.org/presentationml/2006/ole">
             <mc:AlternateContent xmlns:mc="http://schemas.openxmlformats.org/markup-compatibility/2006">
               <mc:Choice xmlns:v="urn:schemas-microsoft-com:vml" Requires="v">
-                <p:oleObj spid="_x0000_s33886" name="Equation" r:id="rId7" imgW="3682800" imgH="444240" progId="Equation.DSMT4">
+                <p:oleObj name="Equation" r:id="rId6" imgW="3682800" imgH="444240" progId="Equation.DSMT4">
                   <p:embed/>
                 </p:oleObj>
               </mc:Choice>
               <mc:Fallback>
-                <p:oleObj name="Equation" r:id="rId7" imgW="3682800" imgH="444240" progId="Equation.DSMT4">
+                <p:oleObj name="Equation" r:id="rId6" imgW="3682800" imgH="444240" progId="Equation.DSMT4">
                   <p:embed/>
                   <p:pic>
                     <p:nvPicPr>
@@ -3511,7 +3477,7 @@
                       <p:nvPr/>
                     </p:nvPicPr>
                     <p:blipFill>
-                      <a:blip r:embed="rId8"/>
+                      <a:blip r:embed="rId7"/>
                       <a:srcRect/>
                       <a:stretch>
                         <a:fillRect/>
@@ -3578,7 +3544,7 @@
           <a:lstStyle/>
           <a:p>
             <a:r>
-              <a:rPr lang="zh-CN" altLang="zh-CN" sz="2200" b="1" dirty="0" smtClean="0">
+              <a:rPr lang="zh-CN" altLang="zh-CN" sz="2200" b="1" dirty="0">
                 <a:latin typeface="+mn-ea"/>
                 <a:cs typeface="Times New Roman" panose="02020603050405020304" pitchFamily="18" charset="0"/>
               </a:rPr>
@@ -3612,18 +3578,11 @@
           <a:lstStyle/>
           <a:p>
             <a:r>
-              <a:rPr lang="zh-CN" altLang="zh-CN" sz="2200" b="1" dirty="0" smtClean="0">
-                <a:latin typeface="+mn-ea"/>
-                <a:cs typeface="Times New Roman" panose="02020603050405020304" pitchFamily="18" charset="0"/>
-              </a:rPr>
-              <a:t>圆柱</a:t>
-            </a:r>
-            <a:r>
               <a:rPr lang="zh-CN" altLang="zh-CN" sz="2200" b="1" dirty="0">
                 <a:latin typeface="+mn-ea"/>
                 <a:cs typeface="Times New Roman" panose="02020603050405020304" pitchFamily="18" charset="0"/>
               </a:rPr>
-              <a:t>坐标系下</a:t>
+              <a:t>圆柱坐标系下</a:t>
             </a:r>
             <a:endParaRPr lang="zh-CN" altLang="en-US" sz="2200" b="1" dirty="0">
               <a:latin typeface="+mn-ea"/>
@@ -3653,18 +3612,11 @@
           <a:lstStyle/>
           <a:p>
             <a:r>
-              <a:rPr lang="zh-CN" altLang="zh-CN" sz="2200" b="1" dirty="0" smtClean="0">
-                <a:latin typeface="+mn-ea"/>
-                <a:cs typeface="Times New Roman" panose="02020603050405020304" pitchFamily="18" charset="0"/>
-              </a:rPr>
-              <a:t>球</a:t>
-            </a:r>
-            <a:r>
               <a:rPr lang="zh-CN" altLang="zh-CN" sz="2200" b="1" dirty="0">
                 <a:latin typeface="+mn-ea"/>
                 <a:cs typeface="Times New Roman" panose="02020603050405020304" pitchFamily="18" charset="0"/>
               </a:rPr>
-              <a:t>坐标系下</a:t>
+              <a:t>球坐标系下</a:t>
             </a:r>
             <a:endParaRPr lang="zh-CN" altLang="en-US" sz="2200" b="1" dirty="0">
               <a:latin typeface="+mn-ea"/>
@@ -4053,7 +4005,7 @@
               <a:defRPr/>
             </a:pPr>
             <a:r>
-              <a:rPr lang="zh-CN" altLang="en-US" sz="2800" b="1" dirty="0" smtClean="0">
+              <a:rPr lang="zh-CN" altLang="en-US" sz="2800" b="1" dirty="0">
                 <a:solidFill>
                   <a:srgbClr val="005DA2"/>
                 </a:solidFill>
@@ -4099,7 +4051,7 @@
               </a:spcBef>
             </a:pPr>
             <a:r>
-              <a:rPr lang="zh-CN" altLang="en-US" sz="2800" b="1" dirty="0" smtClean="0">
+              <a:rPr lang="zh-CN" altLang="en-US" sz="2800" b="1" dirty="0">
                 <a:solidFill>
                   <a:schemeClr val="bg1"/>
                 </a:solidFill>
@@ -4108,13 +4060,6 @@
               </a:rPr>
               <a:t>矢量场的分类</a:t>
             </a:r>
-            <a:endParaRPr lang="zh-CN" altLang="en-US" sz="2800" b="1" dirty="0">
-              <a:solidFill>
-                <a:schemeClr val="bg1"/>
-              </a:solidFill>
-              <a:latin typeface="华文新魏" panose="02010800040101010101" pitchFamily="2" charset="-122"/>
-              <a:ea typeface="华文新魏" panose="02010800040101010101" pitchFamily="2" charset="-122"/>
-            </a:endParaRPr>
           </a:p>
         </p:txBody>
       </p:sp>
@@ -4145,7 +4090,7 @@
               </a:spcBef>
             </a:pPr>
             <a:r>
-              <a:rPr lang="zh-CN" altLang="en-US" sz="2800" b="1" dirty="0" smtClean="0">
+              <a:rPr lang="zh-CN" altLang="en-US" sz="2800" b="1" dirty="0">
                 <a:solidFill>
                   <a:schemeClr val="bg1"/>
                 </a:solidFill>
@@ -4154,13 +4099,6 @@
               </a:rPr>
               <a:t>散度定理</a:t>
             </a:r>
-            <a:endParaRPr lang="zh-CN" altLang="en-US" sz="2800" b="1" dirty="0">
-              <a:solidFill>
-                <a:schemeClr val="bg1"/>
-              </a:solidFill>
-              <a:latin typeface="华文新魏" panose="02010800040101010101" pitchFamily="2" charset="-122"/>
-              <a:ea typeface="华文新魏" panose="02010800040101010101" pitchFamily="2" charset="-122"/>
-            </a:endParaRPr>
           </a:p>
         </p:txBody>
       </p:sp>
@@ -4730,7 +4668,7 @@
                 <a:defRPr/>
               </a:pPr>
               <a:r>
-                <a:rPr lang="en-US" altLang="zh-CN" sz="4000" b="1" dirty="0" smtClean="0">
+                <a:rPr lang="en-US" altLang="zh-CN" sz="4000" b="1" dirty="0">
                   <a:solidFill>
                     <a:schemeClr val="bg1"/>
                   </a:solidFill>
@@ -4917,7 +4855,7 @@
                 <a:buNone/>
               </a:pPr>
               <a:r>
-                <a:rPr lang="zh-CN" altLang="en-US" sz="2400" b="1" dirty="0" smtClean="0">
+                <a:rPr lang="zh-CN" altLang="en-US" sz="2400" b="1" dirty="0">
                   <a:latin typeface="华文新魏" panose="02010800040101010101" pitchFamily="2" charset="-122"/>
                   <a:ea typeface="华文新魏" panose="02010800040101010101" pitchFamily="2" charset="-122"/>
                   <a:cs typeface="Segoe UI Semilight" panose="020B0402040204020203" pitchFamily="34" charset="0"/>
@@ -5520,7 +5458,7 @@
                 <a:defRPr/>
               </a:pPr>
               <a:r>
-                <a:rPr lang="en-US" altLang="zh-CN" sz="4000" dirty="0" smtClean="0">
+                <a:rPr lang="en-US" altLang="zh-CN" sz="4000" dirty="0">
                   <a:solidFill>
                     <a:schemeClr val="bg1"/>
                   </a:solidFill>
@@ -5653,7 +5591,7 @@
                 </a:lnSpc>
               </a:pPr>
               <a:r>
-                <a:rPr lang="zh-CN" altLang="en-US" dirty="0" smtClean="0"/>
+                <a:rPr lang="zh-CN" altLang="en-US" dirty="0"/>
                 <a:t>矢量场与源的因果关系</a:t>
               </a:r>
               <a:endParaRPr lang="en-US" altLang="zh-CN" dirty="0"/>
@@ -6271,31 +6209,15 @@
               <a:buNone/>
             </a:pPr>
             <a:r>
-              <a:rPr lang="zh-CN" altLang="en-US" dirty="0" smtClean="0"/>
-              <a:t>二</a:t>
+              <a:rPr lang="zh-CN" altLang="en-US" dirty="0"/>
+              <a:t>二、矢量场与源的因果关系</a:t>
+            </a:r>
+            <a:r>
+              <a:rPr lang="en-US" altLang="zh-CN" dirty="0"/>
+              <a:t>——</a:t>
             </a:r>
             <a:r>
               <a:rPr lang="zh-CN" altLang="en-US" dirty="0"/>
-              <a:t>、</a:t>
-            </a:r>
-            <a:r>
-              <a:rPr lang="zh-CN" altLang="en-US" dirty="0" smtClean="0"/>
-              <a:t>矢量场与</a:t>
-            </a:r>
-            <a:r>
-              <a:rPr lang="zh-CN" altLang="en-US" dirty="0"/>
-              <a:t>源的因果</a:t>
-            </a:r>
-            <a:r>
-              <a:rPr lang="zh-CN" altLang="en-US" dirty="0" smtClean="0"/>
-              <a:t>关系</a:t>
-            </a:r>
-            <a:r>
-              <a:rPr lang="en-US" altLang="zh-CN" dirty="0" smtClean="0"/>
-              <a:t>——</a:t>
-            </a:r>
-            <a:r>
-              <a:rPr lang="zh-CN" altLang="en-US" dirty="0" smtClean="0"/>
               <a:t>亥姆霍兹定理</a:t>
             </a:r>
             <a:endParaRPr lang="en-US" altLang="zh-CN" dirty="0"/>
@@ -6460,7 +6382,7 @@
               </a:lnSpc>
             </a:pPr>
             <a:r>
-              <a:rPr lang="zh-CN" altLang="en-US" sz="2200" dirty="0" smtClean="0">
+              <a:rPr lang="zh-CN" altLang="en-US" sz="2200" dirty="0">
                 <a:solidFill>
                   <a:schemeClr val="tx1"/>
                 </a:solidFill>
@@ -6471,7 +6393,7 @@
               <a:t>        在有限的区域</a:t>
             </a:r>
             <a:r>
-              <a:rPr lang="en-US" altLang="zh-CN" sz="2200" i="1" dirty="0" smtClean="0">
+              <a:rPr lang="en-US" altLang="zh-CN" sz="2200" i="1" dirty="0">
                 <a:solidFill>
                   <a:schemeClr val="tx1"/>
                 </a:solidFill>
@@ -6482,7 +6404,7 @@
               <a:t>V</a:t>
             </a:r>
             <a:r>
-              <a:rPr lang="zh-CN" altLang="en-US" sz="2200" dirty="0" smtClean="0">
+              <a:rPr lang="zh-CN" altLang="en-US" sz="2200" dirty="0">
                 <a:solidFill>
                   <a:schemeClr val="tx1"/>
                 </a:solidFill>
@@ -6493,7 +6415,7 @@
               <a:t>内，其中的矢量场由</a:t>
             </a:r>
             <a:r>
-              <a:rPr lang="en-US" altLang="zh-CN" sz="2200" dirty="0" smtClean="0">
+              <a:rPr lang="en-US" altLang="zh-CN" sz="2200" dirty="0">
                 <a:solidFill>
                   <a:schemeClr val="tx1"/>
                 </a:solidFill>
@@ -6504,7 +6426,7 @@
               <a:t>V</a:t>
             </a:r>
             <a:r>
-              <a:rPr lang="zh-CN" altLang="en-US" sz="2200" dirty="0" smtClean="0">
+              <a:rPr lang="zh-CN" altLang="en-US" sz="2200" dirty="0">
                 <a:solidFill>
                   <a:schemeClr val="tx1"/>
                 </a:solidFill>
@@ -6515,7 +6437,7 @@
               <a:t>中和</a:t>
             </a:r>
             <a:r>
-              <a:rPr lang="en-US" altLang="zh-CN" sz="2200" dirty="0" smtClean="0">
+              <a:rPr lang="en-US" altLang="zh-CN" sz="2200" dirty="0">
                 <a:solidFill>
                   <a:schemeClr val="tx1"/>
                 </a:solidFill>
@@ -6526,17 +6448,6 @@
               <a:t>S</a:t>
             </a:r>
             <a:r>
-              <a:rPr lang="zh-CN" altLang="en-US" sz="2200" dirty="0" smtClean="0">
-                <a:solidFill>
-                  <a:schemeClr val="tx1"/>
-                </a:solidFill>
-                <a:latin typeface="Times" panose="02020603050405020304" pitchFamily="18" charset="0"/>
-                <a:ea typeface="宋体" panose="02010600030101010101" pitchFamily="2" charset="-122"/>
-                <a:cs typeface="Times" panose="02020603050405020304" pitchFamily="18" charset="0"/>
-              </a:rPr>
-              <a:t>面上分布的散度源和旋度源惟一</a:t>
-            </a:r>
-            <a:r>
               <a:rPr lang="zh-CN" altLang="en-US" sz="2200" dirty="0">
                 <a:solidFill>
                   <a:schemeClr val="tx1"/>
@@ -6545,27 +6456,8 @@
                 <a:ea typeface="宋体" panose="02010600030101010101" pitchFamily="2" charset="-122"/>
                 <a:cs typeface="Times" panose="02020603050405020304" pitchFamily="18" charset="0"/>
               </a:rPr>
-              <a:t>地确定</a:t>
+              <a:t>面上分布的散度源和旋度源惟一地确定。 </a:t>
             </a:r>
-            <a:r>
-              <a:rPr lang="zh-CN" altLang="en-US" sz="2200" dirty="0" smtClean="0">
-                <a:solidFill>
-                  <a:schemeClr val="tx1"/>
-                </a:solidFill>
-                <a:latin typeface="Times" panose="02020603050405020304" pitchFamily="18" charset="0"/>
-                <a:ea typeface="宋体" panose="02010600030101010101" pitchFamily="2" charset="-122"/>
-                <a:cs typeface="Times" panose="02020603050405020304" pitchFamily="18" charset="0"/>
-              </a:rPr>
-              <a:t>。 </a:t>
-            </a:r>
-            <a:endParaRPr lang="zh-CN" altLang="en-US" sz="2200" dirty="0">
-              <a:solidFill>
-                <a:schemeClr val="tx1"/>
-              </a:solidFill>
-              <a:latin typeface="Times" panose="02020603050405020304" pitchFamily="18" charset="0"/>
-              <a:ea typeface="宋体" panose="02010600030101010101" pitchFamily="2" charset="-122"/>
-              <a:cs typeface="Times" panose="02020603050405020304" pitchFamily="18" charset="0"/>
-            </a:endParaRPr>
           </a:p>
         </p:txBody>
       </p:sp>
@@ -6591,12 +6483,12 @@
           <a:graphicData uri="http://schemas.openxmlformats.org/presentationml/2006/ole">
             <mc:AlternateContent xmlns:mc="http://schemas.openxmlformats.org/markup-compatibility/2006">
               <mc:Choice xmlns:v="urn:schemas-microsoft-com:vml" Requires="v">
-                <p:oleObj spid="_x0000_s34895" name="Equation" r:id="rId4" imgW="1304873" imgH="114417" progId="Equation.DSMT4">
+                <p:oleObj name="Equation" r:id="rId3" imgW="1304873" imgH="114417" progId="Equation.DSMT4">
                   <p:embed/>
                 </p:oleObj>
               </mc:Choice>
               <mc:Fallback>
-                <p:oleObj name="Equation" r:id="rId4" imgW="1304873" imgH="114417" progId="Equation.DSMT4">
+                <p:oleObj name="Equation" r:id="rId3" imgW="1304873" imgH="114417" progId="Equation.DSMT4">
                   <p:embed/>
                   <p:pic>
                     <p:nvPicPr>
@@ -6607,7 +6499,7 @@
                       <p:nvPr/>
                     </p:nvPicPr>
                     <p:blipFill>
-                      <a:blip r:embed="rId5">
+                      <a:blip r:embed="rId4">
                         <a:extLst>
                           <a:ext uri="{28A0092B-C50C-407E-A947-70E740481C1C}">
                             <a14:useLocalDpi xmlns:a14="http://schemas.microsoft.com/office/drawing/2010/main" val="0"/>
@@ -6675,12 +6567,12 @@
             <a:graphicData uri="http://schemas.openxmlformats.org/presentationml/2006/ole">
               <mc:AlternateContent xmlns:mc="http://schemas.openxmlformats.org/markup-compatibility/2006">
                 <mc:Choice xmlns:v="urn:schemas-microsoft-com:vml" Requires="v">
-                  <p:oleObj spid="_x0000_s34896" name="Equation" r:id="rId6" imgW="3225600" imgH="1002960" progId="Equation.DSMT4">
+                  <p:oleObj name="Equation" r:id="rId5" imgW="3225600" imgH="1002960" progId="Equation.DSMT4">
                     <p:embed/>
                   </p:oleObj>
                 </mc:Choice>
                 <mc:Fallback>
-                  <p:oleObj name="Equation" r:id="rId6" imgW="3225600" imgH="1002960" progId="Equation.DSMT4">
+                  <p:oleObj name="Equation" r:id="rId5" imgW="3225600" imgH="1002960" progId="Equation.DSMT4">
                     <p:embed/>
                     <p:pic>
                       <p:nvPicPr>
@@ -6691,7 +6583,7 @@
                         <p:nvPr/>
                       </p:nvPicPr>
                       <p:blipFill>
-                        <a:blip r:embed="rId7"/>
+                        <a:blip r:embed="rId6"/>
                         <a:srcRect/>
                         <a:stretch>
                           <a:fillRect/>
@@ -6740,10 +6632,9 @@
             <a:lstStyle/>
             <a:p>
               <a:r>
-                <a:rPr lang="zh-CN" altLang="en-US" b="1" dirty="0" smtClean="0"/>
+                <a:rPr lang="zh-CN" altLang="en-US" b="1" dirty="0"/>
                 <a:t>其中：</a:t>
               </a:r>
-              <a:endParaRPr lang="zh-CN" altLang="en-US" b="1" dirty="0"/>
             </a:p>
           </p:txBody>
         </p:sp>
@@ -9665,12 +9556,12 @@
           <a:graphicData uri="http://schemas.openxmlformats.org/presentationml/2006/ole">
             <mc:AlternateContent xmlns:mc="http://schemas.openxmlformats.org/markup-compatibility/2006">
               <mc:Choice xmlns:v="urn:schemas-microsoft-com:vml" Requires="v">
-                <p:oleObj spid="_x0000_s34897" name="Equation" r:id="rId8" imgW="1396800" imgH="241200" progId="Equation.DSMT4">
+                <p:oleObj name="Equation" r:id="rId7" imgW="1396800" imgH="241200" progId="Equation.DSMT4">
                   <p:embed/>
                 </p:oleObj>
               </mc:Choice>
               <mc:Fallback>
-                <p:oleObj name="Equation" r:id="rId8" imgW="1396800" imgH="241200" progId="Equation.DSMT4">
+                <p:oleObj name="Equation" r:id="rId7" imgW="1396800" imgH="241200" progId="Equation.DSMT4">
                   <p:embed/>
                   <p:pic>
                     <p:nvPicPr>
@@ -9681,7 +9572,7 @@
                       <p:nvPr/>
                     </p:nvPicPr>
                     <p:blipFill>
-                      <a:blip r:embed="rId9"/>
+                      <a:blip r:embed="rId8"/>
                       <a:srcRect/>
                       <a:stretch>
                         <a:fillRect/>
@@ -9730,10 +9621,9 @@
           <a:lstStyle/>
           <a:p>
             <a:r>
-              <a:rPr lang="zh-CN" altLang="en-US" b="1" dirty="0" smtClean="0"/>
+              <a:rPr lang="zh-CN" altLang="en-US" b="1" dirty="0"/>
               <a:t>式中：</a:t>
             </a:r>
-            <a:endParaRPr lang="zh-CN" altLang="en-US" b="1" dirty="0"/>
           </a:p>
         </p:txBody>
       </p:sp>
@@ -9759,12 +9649,12 @@
           <a:graphicData uri="http://schemas.openxmlformats.org/presentationml/2006/ole">
             <mc:AlternateContent xmlns:mc="http://schemas.openxmlformats.org/markup-compatibility/2006">
               <mc:Choice xmlns:v="urn:schemas-microsoft-com:vml" Requires="v">
-                <p:oleObj spid="_x0000_s34898" name="Equation" r:id="rId10" imgW="1295280" imgH="253800" progId="Equation.DSMT4">
+                <p:oleObj name="Equation" r:id="rId9" imgW="1295280" imgH="253800" progId="Equation.DSMT4">
                   <p:embed/>
                 </p:oleObj>
               </mc:Choice>
               <mc:Fallback>
-                <p:oleObj name="Equation" r:id="rId10" imgW="1295280" imgH="253800" progId="Equation.DSMT4">
+                <p:oleObj name="Equation" r:id="rId9" imgW="1295280" imgH="253800" progId="Equation.DSMT4">
                   <p:embed/>
                   <p:pic>
                     <p:nvPicPr>
@@ -9775,7 +9665,7 @@
                       <p:nvPr/>
                     </p:nvPicPr>
                     <p:blipFill>
-                      <a:blip r:embed="rId11"/>
+                      <a:blip r:embed="rId10"/>
                       <a:srcRect/>
                       <a:stretch>
                         <a:fillRect/>
@@ -9810,7 +9700,7 @@
         <p:spPr>
           <a:xfrm>
             <a:off x="3535644" y="3713519"/>
-            <a:ext cx="3026846" cy="369332"/>
+            <a:ext cx="3340612" cy="369332"/>
           </a:xfrm>
           <a:prstGeom prst="rect">
             <a:avLst/>
@@ -9824,10 +9714,9 @@
           <a:lstStyle/>
           <a:p>
             <a:r>
-              <a:rPr lang="zh-CN" altLang="en-US" b="1" dirty="0" smtClean="0"/>
-              <a:t>分别为散度源和旋度体密度；</a:t>
+              <a:rPr lang="zh-CN" altLang="en-US" b="1" dirty="0"/>
+              <a:t>分别为散度源和旋度源体密度；</a:t>
             </a:r>
-            <a:endParaRPr lang="zh-CN" altLang="en-US" b="1" dirty="0"/>
           </a:p>
         </p:txBody>
       </p:sp>
@@ -9840,7 +9729,7 @@
         <p:spPr>
           <a:xfrm>
             <a:off x="3540306" y="4181248"/>
-            <a:ext cx="3026846" cy="369332"/>
+            <a:ext cx="3335950" cy="369332"/>
           </a:xfrm>
           <a:prstGeom prst="rect">
             <a:avLst/>
@@ -9854,10 +9743,17 @@
           <a:lstStyle/>
           <a:p>
             <a:r>
-              <a:rPr lang="zh-CN" altLang="en-US" b="1" dirty="0" smtClean="0"/>
-              <a:t>分别为散度源和旋度面密度。</a:t>
+              <a:rPr lang="zh-CN" altLang="en-US" b="1" dirty="0"/>
+              <a:t>分别为散度源</a:t>
             </a:r>
-            <a:endParaRPr lang="zh-CN" altLang="en-US" b="1" dirty="0"/>
+            <a:r>
+              <a:rPr lang="zh-CN" altLang="en-US" b="1"/>
+              <a:t>和旋度源面密度</a:t>
+            </a:r>
+            <a:r>
+              <a:rPr lang="zh-CN" altLang="en-US" b="1" dirty="0"/>
+              <a:t>。</a:t>
+            </a:r>
           </a:p>
         </p:txBody>
       </p:sp>
@@ -9883,12 +9779,12 @@
           <a:graphicData uri="http://schemas.openxmlformats.org/presentationml/2006/ole">
             <mc:AlternateContent xmlns:mc="http://schemas.openxmlformats.org/markup-compatibility/2006">
               <mc:Choice xmlns:v="urn:schemas-microsoft-com:vml" Requires="v">
-                <p:oleObj spid="_x0000_s34899" name="BMP 图象" r:id="rId12" imgW="2514286" imgH="3533333" progId="Paint.Picture">
+                <p:oleObj name="BMP 图象" r:id="rId11" imgW="2514286" imgH="3533333" progId="Paint.Picture">
                   <p:embed/>
                 </p:oleObj>
               </mc:Choice>
               <mc:Fallback>
-                <p:oleObj name="BMP 图象" r:id="rId12" imgW="2514286" imgH="3533333" progId="Paint.Picture">
+                <p:oleObj name="BMP 图象" r:id="rId11" imgW="2514286" imgH="3533333" progId="Paint.Picture">
                   <p:embed/>
                   <p:pic>
                     <p:nvPicPr>
@@ -9899,7 +9795,7 @@
                       <p:nvPr/>
                     </p:nvPicPr>
                     <p:blipFill>
-                      <a:blip r:embed="rId13">
+                      <a:blip r:embed="rId12">
                         <a:extLst>
                           <a:ext uri="{28A0092B-C50C-407E-A947-70E740481C1C}">
                             <a14:useLocalDpi xmlns:a14="http://schemas.microsoft.com/office/drawing/2010/main" val="0"/>
@@ -9954,12 +9850,12 @@
           <a:graphicData uri="http://schemas.openxmlformats.org/presentationml/2006/ole">
             <mc:AlternateContent xmlns:mc="http://schemas.openxmlformats.org/markup-compatibility/2006">
               <mc:Choice xmlns:v="urn:schemas-microsoft-com:vml" Requires="v">
-                <p:oleObj spid="_x0000_s34900" name="Equation" r:id="rId14" imgW="431640" imgH="215640" progId="Equation.DSMT4">
+                <p:oleObj name="Equation" r:id="rId13" imgW="431640" imgH="215640" progId="Equation.DSMT4">
                   <p:embed/>
                 </p:oleObj>
               </mc:Choice>
               <mc:Fallback>
-                <p:oleObj name="Equation" r:id="rId14" imgW="431640" imgH="215640" progId="Equation.DSMT4">
+                <p:oleObj name="Equation" r:id="rId13" imgW="431640" imgH="215640" progId="Equation.DSMT4">
                   <p:embed/>
                   <p:pic>
                     <p:nvPicPr>
@@ -9970,7 +9866,7 @@
                       <p:nvPr/>
                     </p:nvPicPr>
                     <p:blipFill>
-                      <a:blip r:embed="rId15"/>
+                      <a:blip r:embed="rId14"/>
                       <a:srcRect/>
                       <a:stretch>
                         <a:fillRect/>
@@ -10439,34 +10335,7 @@
                 <a:ea typeface="微软雅黑" panose="020B0503020204020204" pitchFamily="34" charset="-122"/>
                 <a:cs typeface="+mn-cs"/>
               </a:rPr>
-              <a:t> 结</a:t>
-            </a:r>
-            <a:r>
-              <a:rPr kumimoji="0" lang="zh-CN" altLang="en-US" sz="2800" b="1" i="0" u="none" strike="noStrike" kern="1200" cap="none" spc="0" normalizeH="0" baseline="0" noProof="0" dirty="0" smtClean="0">
-                <a:ln>
-                  <a:noFill/>
-                </a:ln>
-                <a:solidFill>
-                  <a:srgbClr val="005DA2"/>
-                </a:solidFill>
-                <a:effectLst/>
-                <a:uLnTx/>
-                <a:uFillTx/>
-                <a:latin typeface="微软雅黑" panose="020B0503020204020204" pitchFamily="34" charset="-122"/>
-                <a:ea typeface="微软雅黑" panose="020B0503020204020204" pitchFamily="34" charset="-122"/>
-                <a:cs typeface="+mn-cs"/>
-              </a:rPr>
-              <a:t>：</a:t>
-            </a:r>
-            <a:r>
-              <a:rPr lang="zh-CN" altLang="zh-CN" sz="2800" b="1" dirty="0" smtClean="0">
-                <a:solidFill>
-                  <a:srgbClr val="005DA2"/>
-                </a:solidFill>
-                <a:latin typeface="微软雅黑" panose="020B0503020204020204" pitchFamily="34" charset="-122"/>
-                <a:ea typeface="微软雅黑" panose="020B0503020204020204" pitchFamily="34" charset="-122"/>
-              </a:rPr>
-              <a:t>矢量场</a:t>
+              <a:t> 结：</a:t>
             </a:r>
             <a:r>
               <a:rPr lang="zh-CN" altLang="zh-CN" sz="2800" b="1" dirty="0">
@@ -10476,7 +10345,7 @@
                 <a:latin typeface="微软雅黑" panose="020B0503020204020204" pitchFamily="34" charset="-122"/>
                 <a:ea typeface="微软雅黑" panose="020B0503020204020204" pitchFamily="34" charset="-122"/>
               </a:rPr>
-              <a:t>的</a:t>
+              <a:t>矢量场的</a:t>
             </a:r>
             <a:r>
               <a:rPr lang="zh-CN" altLang="en-US" sz="2800" b="1" dirty="0">
@@ -10486,17 +10355,7 @@
                 <a:latin typeface="微软雅黑" panose="020B0503020204020204" pitchFamily="34" charset="-122"/>
                 <a:ea typeface="微软雅黑" panose="020B0503020204020204" pitchFamily="34" charset="-122"/>
               </a:rPr>
-              <a:t>分类及其</a:t>
-            </a:r>
-            <a:r>
-              <a:rPr lang="zh-CN" altLang="en-US" sz="2800" b="1" dirty="0" smtClean="0">
-                <a:solidFill>
-                  <a:srgbClr val="005DA2"/>
-                </a:solidFill>
-                <a:latin typeface="微软雅黑" panose="020B0503020204020204" pitchFamily="34" charset="-122"/>
-                <a:ea typeface="微软雅黑" panose="020B0503020204020204" pitchFamily="34" charset="-122"/>
-              </a:rPr>
-              <a:t>场与源的因果关系</a:t>
+              <a:t>分类及其场与源的因果关系</a:t>
             </a:r>
             <a:endParaRPr lang="en-GB" altLang="zh-CN" sz="2800" b="1" dirty="0">
               <a:solidFill>
@@ -10530,7 +10389,6 @@
           <a:ln>
             <a:noFill/>
           </a:ln>
-          <a:extLst/>
         </p:spPr>
         <p:txBody>
           <a:bodyPr wrap="square" lIns="0" tIns="0" rIns="0" bIns="0">
@@ -10554,18 +10412,10 @@
                   <a:schemeClr val="bg1"/>
                 </a:solidFill>
               </a:rPr>
-              <a:t>空间中任意发散、涡旋的矢量场，按其分布特性可分为四种</a:t>
+              <a:t>空间中任意发散、涡旋的矢量场，按其分布特性可分为四种类型</a:t>
             </a:r>
             <a:r>
-              <a:rPr lang="zh-CN" altLang="zh-CN" sz="2400" b="1" dirty="0" smtClean="0">
-                <a:solidFill>
-                  <a:schemeClr val="bg1"/>
-                </a:solidFill>
-              </a:rPr>
-              <a:t>类型</a:t>
-            </a:r>
-            <a:r>
-              <a:rPr lang="zh-CN" altLang="en-US" sz="2400" b="1" dirty="0" smtClean="0">
+              <a:rPr lang="zh-CN" altLang="en-US" sz="2400" b="1" dirty="0">
                 <a:solidFill>
                   <a:schemeClr val="bg1"/>
                 </a:solidFill>
@@ -10573,38 +10423,22 @@
               <a:t>；</a:t>
             </a:r>
             <a:r>
-              <a:rPr lang="zh-CN" altLang="zh-CN" sz="2400" b="1" dirty="0" smtClean="0">
-                <a:solidFill>
-                  <a:schemeClr val="bg1"/>
-                </a:solidFill>
-              </a:rPr>
-              <a:t>各类矢量场</a:t>
-            </a:r>
-            <a:r>
               <a:rPr lang="zh-CN" altLang="zh-CN" sz="2400" b="1" dirty="0">
                 <a:solidFill>
                   <a:schemeClr val="bg1"/>
                 </a:solidFill>
               </a:rPr>
-              <a:t>的分布可通过引入标量位和矢量位进行</a:t>
+              <a:t>各类矢量场的分布可通过引入标量位和矢量位进行分析</a:t>
             </a:r>
             <a:r>
-              <a:rPr lang="zh-CN" altLang="zh-CN" sz="2400" b="1" dirty="0" smtClean="0">
-                <a:solidFill>
-                  <a:schemeClr val="bg1"/>
-                </a:solidFill>
-              </a:rPr>
-              <a:t>分析</a:t>
-            </a:r>
-            <a:r>
-              <a:rPr lang="zh-CN" altLang="en-US" sz="2400" b="1" dirty="0" smtClean="0">
+              <a:rPr lang="zh-CN" altLang="en-US" sz="2400" b="1" dirty="0">
                 <a:solidFill>
                   <a:schemeClr val="bg1"/>
                 </a:solidFill>
               </a:rPr>
               <a:t>；</a:t>
             </a:r>
-            <a:endParaRPr lang="en-US" altLang="zh-CN" sz="2400" b="1" dirty="0" smtClean="0">
+            <a:endParaRPr lang="en-US" altLang="zh-CN" sz="2400" b="1" dirty="0">
               <a:solidFill>
                 <a:schemeClr val="bg1"/>
               </a:solidFill>
@@ -10622,31 +10456,13 @@
               <a:buChar char="l"/>
             </a:pPr>
             <a:r>
-              <a:rPr lang="zh-CN" altLang="en-US" sz="2400" b="1" dirty="0" smtClean="0">
-                <a:solidFill>
-                  <a:schemeClr val="bg1"/>
-                </a:solidFill>
-                <a:latin typeface="宋体" panose="02010600030101010101" pitchFamily="2" charset="-122"/>
-              </a:rPr>
-              <a:t>亥姆霍兹定理给出了分析和求解电磁问题的</a:t>
-            </a:r>
-            <a:r>
               <a:rPr lang="zh-CN" altLang="en-US" sz="2400" b="1" dirty="0">
                 <a:solidFill>
                   <a:schemeClr val="bg1"/>
                 </a:solidFill>
                 <a:latin typeface="宋体" panose="02010600030101010101" pitchFamily="2" charset="-122"/>
               </a:rPr>
-              <a:t>一条主线</a:t>
-            </a:r>
-            <a:r>
-              <a:rPr lang="zh-CN" altLang="en-US" sz="2400" b="1" dirty="0" smtClean="0">
-                <a:solidFill>
-                  <a:schemeClr val="bg1"/>
-                </a:solidFill>
-                <a:latin typeface="宋体" panose="02010600030101010101" pitchFamily="2" charset="-122"/>
-              </a:rPr>
-              <a:t>。</a:t>
+              <a:t>亥姆霍兹定理给出了分析和求解电磁问题的一条主线。</a:t>
             </a:r>
             <a:endParaRPr lang="zh-CN" altLang="zh-CN" sz="2400" b="1" dirty="0">
               <a:solidFill>
@@ -11024,7 +10840,7 @@
             <a:p>
               <a:pPr algn="ctr"/>
               <a:r>
-                <a:rPr lang="zh-CN" altLang="en-US" dirty="0" smtClean="0">
+                <a:rPr lang="zh-CN" altLang="en-US" dirty="0">
                   <a:solidFill>
                     <a:srgbClr val="F87A24"/>
                   </a:solidFill>
@@ -11034,14 +10850,6 @@
                 </a:rPr>
                 <a:t>无旋场、无散场、有散有旋场、无散无旋场</a:t>
               </a:r>
-              <a:endParaRPr lang="zh-CN" altLang="en-US" dirty="0">
-                <a:solidFill>
-                  <a:srgbClr val="F87A24"/>
-                </a:solidFill>
-                <a:latin typeface="Times New Roman" panose="02020603050405020304" pitchFamily="18" charset="0"/>
-                <a:ea typeface="微软雅黑" panose="020B0503020204020204" pitchFamily="34" charset="-122"/>
-                <a:cs typeface="Times New Roman" panose="02020603050405020304" pitchFamily="18" charset="0"/>
-              </a:endParaRPr>
             </a:p>
           </p:txBody>
         </p:sp>
@@ -11582,7 +11390,7 @@
               <a:p>
                 <a:pPr algn="ctr"/>
                 <a:r>
-                  <a:rPr lang="zh-CN" altLang="en-US" dirty="0" smtClean="0">
+                  <a:rPr lang="zh-CN" altLang="en-US" dirty="0">
                     <a:solidFill>
                       <a:srgbClr val="F87A24"/>
                     </a:solidFill>
@@ -11592,14 +11400,6 @@
                   </a:rPr>
                   <a:t>亥姆霍兹定理</a:t>
                 </a:r>
-                <a:endParaRPr lang="zh-CN" altLang="en-US" dirty="0">
-                  <a:solidFill>
-                    <a:srgbClr val="F87A24"/>
-                  </a:solidFill>
-                  <a:latin typeface="Times New Roman" panose="02020603050405020304" pitchFamily="18" charset="0"/>
-                  <a:ea typeface="微软雅黑" panose="020B0503020204020204" pitchFamily="34" charset="-122"/>
-                  <a:cs typeface="Times New Roman" panose="02020603050405020304" pitchFamily="18" charset="0"/>
-                </a:endParaRPr>
               </a:p>
             </p:txBody>
           </p:sp>
@@ -11999,7 +11799,7 @@
               <a:defRPr/>
             </a:pPr>
             <a:r>
-              <a:rPr lang="zh-CN" altLang="en-US" b="1" dirty="0" smtClean="0">
+              <a:rPr lang="zh-CN" altLang="en-US" b="1" dirty="0">
                 <a:solidFill>
                   <a:srgbClr val="005DA2"/>
                 </a:solidFill>
@@ -12010,7 +11810,7 @@
               <a:t>物理量的</a:t>
             </a:r>
             <a:r>
-              <a:rPr kumimoji="0" lang="zh-CN" altLang="en-US" sz="3200" b="1" i="0" u="none" strike="noStrike" kern="1200" cap="none" spc="0" normalizeH="0" baseline="0" noProof="0" dirty="0" smtClean="0">
+              <a:rPr kumimoji="0" lang="zh-CN" altLang="en-US" sz="3200" b="1" i="0" u="none" strike="noStrike" kern="1200" cap="none" spc="0" normalizeH="0" baseline="0" noProof="0" dirty="0">
                 <a:ln>
                   <a:noFill/>
                 </a:ln>
@@ -12027,7 +11827,7 @@
               <a:t>分析方法</a:t>
             </a:r>
             <a:r>
-              <a:rPr kumimoji="0" lang="en-US" altLang="zh-CN" sz="3200" b="1" i="0" u="none" strike="noStrike" kern="1200" cap="none" spc="0" normalizeH="0" baseline="0" noProof="0" dirty="0" smtClean="0">
+              <a:rPr kumimoji="0" lang="en-US" altLang="zh-CN" sz="3200" b="1" i="0" u="none" strike="noStrike" kern="1200" cap="none" spc="0" normalizeH="0" baseline="0" noProof="0" dirty="0">
                 <a:ln>
                   <a:noFill/>
                 </a:ln>
@@ -12044,17 +11844,6 @@
               <a:t>/</a:t>
             </a:r>
             <a:r>
-              <a:rPr lang="en-US" altLang="zh-CN" b="1" dirty="0" smtClean="0">
-                <a:solidFill>
-                  <a:srgbClr val="005DA2"/>
-                </a:solidFill>
-                <a:latin typeface="Times New Roman" panose="02020603050405020304" pitchFamily="18" charset="0"/>
-                <a:ea typeface="微软雅黑" panose="020B0503020204020204" pitchFamily="34" charset="-122"/>
-                <a:cs typeface="Times New Roman" panose="02020603050405020304" pitchFamily="18" charset="0"/>
-              </a:rPr>
-              <a:t> </a:t>
-            </a:r>
-            <a:r>
               <a:rPr lang="en-US" altLang="zh-CN" b="1" dirty="0">
                 <a:solidFill>
                   <a:srgbClr val="005DA2"/>
@@ -12063,7 +11852,7 @@
                 <a:ea typeface="微软雅黑" panose="020B0503020204020204" pitchFamily="34" charset="-122"/>
                 <a:cs typeface="Times New Roman" panose="02020603050405020304" pitchFamily="18" charset="0"/>
               </a:rPr>
-              <a:t>Analysis</a:t>
+              <a:t> Analysis</a:t>
             </a:r>
             <a:endParaRPr lang="en-GB" b="1" dirty="0">
               <a:solidFill>
@@ -12808,7 +12597,7 @@
               <a:defRPr/>
             </a:pPr>
             <a:r>
-              <a:rPr kumimoji="0" lang="zh-CN" altLang="en-US" sz="2000" b="1" i="0" strike="noStrike" kern="1200" cap="none" spc="0" normalizeH="0" baseline="0" noProof="0" dirty="0" smtClean="0">
+              <a:rPr kumimoji="0" lang="zh-CN" altLang="en-US" sz="2000" b="1" i="0" strike="noStrike" kern="1200" cap="none" spc="0" normalizeH="0" baseline="0" noProof="0" dirty="0">
                 <a:ln>
                   <a:noFill/>
                 </a:ln>
@@ -12827,7 +12616,7 @@
               <a:t>物理量与场及其形象化表</a:t>
             </a:r>
             <a:r>
-              <a:rPr lang="zh-CN" altLang="en-US" sz="2000" b="1" noProof="0" dirty="0" smtClean="0">
+              <a:rPr lang="zh-CN" altLang="en-US" sz="2000" b="1" noProof="0" dirty="0">
                 <a:solidFill>
                   <a:schemeClr val="tx1">
                     <a:lumMod val="50000"/>
@@ -12965,7 +12754,7 @@
               <a:defRPr/>
             </a:pPr>
             <a:r>
-              <a:rPr lang="zh-CN" altLang="en-US" sz="2000" b="1" dirty="0" smtClean="0">
+              <a:rPr lang="zh-CN" altLang="en-US" sz="2000" b="1" dirty="0">
                 <a:solidFill>
                   <a:schemeClr val="tx1">
                     <a:lumMod val="50000"/>
@@ -13096,7 +12885,7 @@
           <a:p>
             <a:pPr algn="ctr"/>
             <a:r>
-              <a:rPr lang="zh-CN" altLang="en-US" sz="2000" b="1" dirty="0" smtClean="0">
+              <a:rPr lang="zh-CN" altLang="en-US" sz="2000" b="1" dirty="0">
                 <a:solidFill>
                   <a:schemeClr val="tx1">
                     <a:lumMod val="50000"/>
@@ -13232,20 +13021,6 @@
               </a:lnSpc>
             </a:pPr>
             <a:r>
-              <a:rPr lang="zh-CN" altLang="en-US" sz="2000" b="1" dirty="0" smtClean="0">
-                <a:solidFill>
-                  <a:schemeClr val="tx1">
-                    <a:lumMod val="50000"/>
-                    <a:lumOff val="50000"/>
-                  </a:schemeClr>
-                </a:solidFill>
-                <a:latin typeface="微软雅黑" panose="020B0503020204020204" pitchFamily="34" charset="-122"/>
-                <a:ea typeface="微软雅黑" panose="020B0503020204020204" pitchFamily="34" charset="-122"/>
-                <a:cs typeface="Times New Roman" panose="02020603050405020304" pitchFamily="18" charset="0"/>
-              </a:rPr>
-              <a:t>物理量分析的数</a:t>
-            </a:r>
-            <a:r>
               <a:rPr lang="zh-CN" altLang="en-US" sz="2000" b="1" dirty="0">
                 <a:solidFill>
                   <a:schemeClr val="tx1">
@@ -13257,33 +13032,8 @@
                 <a:ea typeface="微软雅黑" panose="020B0503020204020204" pitchFamily="34" charset="-122"/>
                 <a:cs typeface="Times New Roman" panose="02020603050405020304" pitchFamily="18" charset="0"/>
               </a:rPr>
-              <a:t>学</a:t>
+              <a:t>物理量分析的数学基础</a:t>
             </a:r>
-            <a:r>
-              <a:rPr lang="zh-CN" altLang="en-US" sz="2000" b="1" dirty="0" smtClean="0">
-                <a:solidFill>
-                  <a:schemeClr val="tx1">
-                    <a:lumMod val="50000"/>
-                    <a:lumOff val="50000"/>
-                  </a:schemeClr>
-                </a:solidFill>
-                <a:latin typeface="微软雅黑" panose="020B0503020204020204" pitchFamily="34" charset="-122"/>
-                <a:ea typeface="微软雅黑" panose="020B0503020204020204" pitchFamily="34" charset="-122"/>
-                <a:cs typeface="Times New Roman" panose="02020603050405020304" pitchFamily="18" charset="0"/>
-              </a:rPr>
-              <a:t>基础</a:t>
-            </a:r>
-            <a:endParaRPr lang="zh-CN" altLang="en-US" sz="2000" b="1" dirty="0">
-              <a:solidFill>
-                <a:schemeClr val="tx1">
-                  <a:lumMod val="50000"/>
-                  <a:lumOff val="50000"/>
-                </a:schemeClr>
-              </a:solidFill>
-              <a:latin typeface="微软雅黑" panose="020B0503020204020204" pitchFamily="34" charset="-122"/>
-              <a:ea typeface="微软雅黑" panose="020B0503020204020204" pitchFamily="34" charset="-122"/>
-              <a:cs typeface="Times New Roman" panose="02020603050405020304" pitchFamily="18" charset="0"/>
-            </a:endParaRPr>
           </a:p>
         </p:txBody>
       </p:sp>
@@ -18839,13 +18589,6 @@
       <p:transition advTm="0"/>
     </mc:Fallback>
   </mc:AlternateContent>
-  <p:timing>
-    <p:tnLst>
-      <p:par>
-        <p:cTn id="1" dur="indefinite" restart="never" nodeType="tmRoot"/>
-      </p:par>
-    </p:tnLst>
-  </p:timing>
 </p:sld>
 </file>
 
@@ -19030,7 +18773,7 @@
               <a:defRPr/>
             </a:pPr>
             <a:r>
-              <a:rPr lang="zh-CN" altLang="en-US" b="1" dirty="0" smtClean="0">
+              <a:rPr lang="zh-CN" altLang="en-US" b="1" dirty="0">
                 <a:solidFill>
                   <a:srgbClr val="005DA2"/>
                 </a:solidFill>
@@ -19041,7 +18784,7 @@
               <a:t>物理量的</a:t>
             </a:r>
             <a:r>
-              <a:rPr kumimoji="0" lang="zh-CN" altLang="en-US" sz="3200" b="1" i="0" u="none" strike="noStrike" kern="1200" cap="none" spc="0" normalizeH="0" baseline="0" noProof="0" dirty="0" smtClean="0">
+              <a:rPr kumimoji="0" lang="zh-CN" altLang="en-US" sz="3200" b="1" i="0" u="none" strike="noStrike" kern="1200" cap="none" spc="0" normalizeH="0" baseline="0" noProof="0" dirty="0">
                 <a:ln>
                   <a:noFill/>
                 </a:ln>
@@ -19058,7 +18801,7 @@
               <a:t>分析方法</a:t>
             </a:r>
             <a:r>
-              <a:rPr kumimoji="0" lang="en-US" altLang="zh-CN" sz="3200" b="1" i="0" u="none" strike="noStrike" kern="1200" cap="none" spc="0" normalizeH="0" baseline="0" noProof="0" dirty="0" smtClean="0">
+              <a:rPr kumimoji="0" lang="en-US" altLang="zh-CN" sz="3200" b="1" i="0" u="none" strike="noStrike" kern="1200" cap="none" spc="0" normalizeH="0" baseline="0" noProof="0" dirty="0">
                 <a:ln>
                   <a:noFill/>
                 </a:ln>
@@ -19075,17 +18818,6 @@
               <a:t>/</a:t>
             </a:r>
             <a:r>
-              <a:rPr lang="en-US" altLang="zh-CN" b="1" dirty="0" smtClean="0">
-                <a:solidFill>
-                  <a:srgbClr val="005DA2"/>
-                </a:solidFill>
-                <a:latin typeface="Times New Roman" panose="02020603050405020304" pitchFamily="18" charset="0"/>
-                <a:ea typeface="微软雅黑" panose="020B0503020204020204" pitchFamily="34" charset="-122"/>
-                <a:cs typeface="Times New Roman" panose="02020603050405020304" pitchFamily="18" charset="0"/>
-              </a:rPr>
-              <a:t> </a:t>
-            </a:r>
-            <a:r>
               <a:rPr lang="en-US" altLang="zh-CN" b="1" dirty="0">
                 <a:solidFill>
                   <a:srgbClr val="005DA2"/>
@@ -19094,7 +18826,7 @@
                 <a:ea typeface="微软雅黑" panose="020B0503020204020204" pitchFamily="34" charset="-122"/>
                 <a:cs typeface="Times New Roman" panose="02020603050405020304" pitchFamily="18" charset="0"/>
               </a:rPr>
-              <a:t>Analysis</a:t>
+              <a:t> Analysis</a:t>
             </a:r>
             <a:endParaRPr lang="en-GB" b="1" dirty="0">
               <a:solidFill>
@@ -19839,7 +19571,7 @@
               <a:defRPr/>
             </a:pPr>
             <a:r>
-              <a:rPr kumimoji="0" lang="zh-CN" altLang="en-US" sz="2000" b="1" i="0" strike="noStrike" kern="1200" cap="none" spc="0" normalizeH="0" baseline="0" noProof="0" dirty="0" smtClean="0">
+              <a:rPr kumimoji="0" lang="zh-CN" altLang="en-US" sz="2000" b="1" i="0" strike="noStrike" kern="1200" cap="none" spc="0" normalizeH="0" baseline="0" noProof="0" dirty="0">
                 <a:ln>
                   <a:noFill/>
                 </a:ln>
@@ -19858,7 +19590,7 @@
               <a:t>物理量与场及其形象化表</a:t>
             </a:r>
             <a:r>
-              <a:rPr lang="zh-CN" altLang="en-US" sz="2000" b="1" noProof="0" dirty="0" smtClean="0">
+              <a:rPr lang="zh-CN" altLang="en-US" sz="2000" b="1" noProof="0" dirty="0">
                 <a:solidFill>
                   <a:schemeClr val="tx1">
                     <a:lumMod val="50000"/>
@@ -19996,7 +19728,7 @@
               <a:defRPr/>
             </a:pPr>
             <a:r>
-              <a:rPr lang="zh-CN" altLang="en-US" sz="2000" b="1" dirty="0" smtClean="0">
+              <a:rPr lang="zh-CN" altLang="en-US" sz="2000" b="1" dirty="0">
                 <a:solidFill>
                   <a:schemeClr val="tx1">
                     <a:lumMod val="50000"/>
@@ -20127,7 +19859,7 @@
           <a:p>
             <a:pPr algn="ctr"/>
             <a:r>
-              <a:rPr lang="zh-CN" altLang="en-US" sz="2000" b="1" dirty="0" smtClean="0">
+              <a:rPr lang="zh-CN" altLang="en-US" sz="2000" b="1" dirty="0">
                 <a:solidFill>
                   <a:schemeClr val="tx1">
                     <a:lumMod val="50000"/>
@@ -20263,20 +19995,6 @@
               </a:lnSpc>
             </a:pPr>
             <a:r>
-              <a:rPr lang="zh-CN" altLang="en-US" sz="2000" b="1" dirty="0" smtClean="0">
-                <a:solidFill>
-                  <a:schemeClr val="tx1">
-                    <a:lumMod val="50000"/>
-                    <a:lumOff val="50000"/>
-                  </a:schemeClr>
-                </a:solidFill>
-                <a:latin typeface="微软雅黑" panose="020B0503020204020204" pitchFamily="34" charset="-122"/>
-                <a:ea typeface="微软雅黑" panose="020B0503020204020204" pitchFamily="34" charset="-122"/>
-                <a:cs typeface="Times New Roman" panose="02020603050405020304" pitchFamily="18" charset="0"/>
-              </a:rPr>
-              <a:t>物理量分析的数</a:t>
-            </a:r>
-            <a:r>
               <a:rPr lang="zh-CN" altLang="en-US" sz="2000" b="1" dirty="0">
                 <a:solidFill>
                   <a:schemeClr val="tx1">
@@ -20288,33 +20006,8 @@
                 <a:ea typeface="微软雅黑" panose="020B0503020204020204" pitchFamily="34" charset="-122"/>
                 <a:cs typeface="Times New Roman" panose="02020603050405020304" pitchFamily="18" charset="0"/>
               </a:rPr>
-              <a:t>学</a:t>
+              <a:t>物理量分析的数学基础</a:t>
             </a:r>
-            <a:r>
-              <a:rPr lang="zh-CN" altLang="en-US" sz="2000" b="1" dirty="0" smtClean="0">
-                <a:solidFill>
-                  <a:schemeClr val="tx1">
-                    <a:lumMod val="50000"/>
-                    <a:lumOff val="50000"/>
-                  </a:schemeClr>
-                </a:solidFill>
-                <a:latin typeface="微软雅黑" panose="020B0503020204020204" pitchFamily="34" charset="-122"/>
-                <a:ea typeface="微软雅黑" panose="020B0503020204020204" pitchFamily="34" charset="-122"/>
-                <a:cs typeface="Times New Roman" panose="02020603050405020304" pitchFamily="18" charset="0"/>
-              </a:rPr>
-              <a:t>基础</a:t>
-            </a:r>
-            <a:endParaRPr lang="zh-CN" altLang="en-US" sz="2000" b="1" dirty="0">
-              <a:solidFill>
-                <a:schemeClr val="tx1">
-                  <a:lumMod val="50000"/>
-                  <a:lumOff val="50000"/>
-                </a:schemeClr>
-              </a:solidFill>
-              <a:latin typeface="微软雅黑" panose="020B0503020204020204" pitchFamily="34" charset="-122"/>
-              <a:ea typeface="微软雅黑" panose="020B0503020204020204" pitchFamily="34" charset="-122"/>
-              <a:cs typeface="Times New Roman" panose="02020603050405020304" pitchFamily="18" charset="0"/>
-            </a:endParaRPr>
           </a:p>
         </p:txBody>
       </p:sp>
@@ -24796,7 +24489,7 @@
                 <a:defRPr/>
               </a:pPr>
               <a:r>
-                <a:rPr kumimoji="0" lang="en-US" altLang="zh-CN" sz="8000" b="0" i="0" u="none" strike="noStrike" kern="1200" cap="none" spc="0" normalizeH="0" baseline="0" noProof="0" dirty="0" smtClean="0">
+                <a:rPr kumimoji="0" lang="en-US" altLang="zh-CN" sz="8000" b="0" i="0" u="none" strike="noStrike" kern="1200" cap="none" spc="0" normalizeH="0" baseline="0" noProof="0" dirty="0">
                   <a:ln>
                     <a:noFill/>
                   </a:ln>
@@ -24860,7 +24553,7 @@
               <a:defRPr/>
             </a:pPr>
             <a:r>
-              <a:rPr lang="zh-CN" altLang="en-US" sz="3600" b="1" dirty="0" smtClean="0">
+              <a:rPr lang="zh-CN" altLang="en-US" sz="3600" b="1" dirty="0">
                 <a:solidFill>
                   <a:schemeClr val="bg1"/>
                 </a:solidFill>
@@ -24870,7 +24563,7 @@
               <a:t>矢量场分析</a:t>
             </a:r>
             <a:r>
-              <a:rPr lang="en-US" altLang="zh-CN" sz="3600" b="1" dirty="0" smtClean="0">
+              <a:rPr lang="en-US" altLang="zh-CN" sz="3600" b="1" dirty="0">
                 <a:solidFill>
                   <a:schemeClr val="bg1"/>
                 </a:solidFill>
@@ -24887,20 +24580,10 @@
                 <a:latin typeface="微软雅黑" panose="020B0503020204020204" pitchFamily="34" charset="-122"/>
                 <a:ea typeface="微软雅黑" panose="020B0503020204020204" pitchFamily="34" charset="-122"/>
               </a:rPr>
-              <a:t>矢量场</a:t>
+              <a:t>矢量场的</a:t>
             </a:r>
             <a:r>
-              <a:rPr lang="zh-CN" altLang="zh-CN" sz="2400" b="1" dirty="0" smtClean="0">
-                <a:solidFill>
-                  <a:schemeClr val="bg1"/>
-                </a:solidFill>
-                <a:latin typeface="微软雅黑" panose="020B0503020204020204" pitchFamily="34" charset="-122"/>
-                <a:ea typeface="微软雅黑" panose="020B0503020204020204" pitchFamily="34" charset="-122"/>
-              </a:rPr>
-              <a:t>的</a:t>
-            </a:r>
-            <a:r>
-              <a:rPr lang="zh-CN" altLang="en-US" sz="2400" b="1" dirty="0" smtClean="0">
+              <a:rPr lang="zh-CN" altLang="en-US" sz="2400" b="1" dirty="0">
                 <a:solidFill>
                   <a:schemeClr val="bg1"/>
                 </a:solidFill>
@@ -24909,7 +24592,7 @@
               </a:rPr>
               <a:t>分类及其场</a:t>
             </a:r>
-            <a:endParaRPr lang="en-US" altLang="zh-CN" sz="2400" b="1" dirty="0" smtClean="0">
+            <a:endParaRPr lang="en-US" altLang="zh-CN" sz="2400" b="1" dirty="0">
               <a:solidFill>
                 <a:schemeClr val="bg1"/>
               </a:solidFill>
@@ -24929,20 +24612,10 @@
                 <a:latin typeface="微软雅黑" panose="020B0503020204020204" pitchFamily="34" charset="-122"/>
                 <a:ea typeface="微软雅黑" panose="020B0503020204020204" pitchFamily="34" charset="-122"/>
               </a:rPr>
-              <a:t> </a:t>
+              <a:t>                                    </a:t>
             </a:r>
             <a:r>
-              <a:rPr lang="en-US" altLang="zh-CN" sz="2400" b="1" dirty="0" smtClean="0">
-                <a:solidFill>
-                  <a:schemeClr val="bg1"/>
-                </a:solidFill>
-                <a:latin typeface="微软雅黑" panose="020B0503020204020204" pitchFamily="34" charset="-122"/>
-                <a:ea typeface="微软雅黑" panose="020B0503020204020204" pitchFamily="34" charset="-122"/>
-              </a:rPr>
-              <a:t>                                   </a:t>
-            </a:r>
-            <a:r>
-              <a:rPr lang="zh-CN" altLang="en-US" sz="2400" b="1" dirty="0" smtClean="0">
+              <a:rPr lang="zh-CN" altLang="en-US" sz="2400" b="1" dirty="0">
                 <a:solidFill>
                   <a:schemeClr val="bg1"/>
                 </a:solidFill>
@@ -28599,13 +28272,6 @@
       <p:transition/>
     </mc:Fallback>
   </mc:AlternateContent>
-  <p:timing>
-    <p:tnLst>
-      <p:par>
-        <p:cTn id="1" dur="indefinite" restart="never" nodeType="tmRoot"/>
-      </p:par>
-    </p:tnLst>
-  </p:timing>
 </p:sld>
 </file>
 
@@ -28788,7 +28454,7 @@
               <a:defRPr/>
             </a:pPr>
             <a:r>
-              <a:rPr lang="zh-CN" altLang="en-US" sz="2800" b="1" dirty="0" smtClean="0">
+              <a:rPr lang="zh-CN" altLang="en-US" sz="2800" b="1" dirty="0">
                 <a:solidFill>
                   <a:srgbClr val="005DA2"/>
                 </a:solidFill>
@@ -28834,7 +28500,7 @@
               </a:spcBef>
             </a:pPr>
             <a:r>
-              <a:rPr lang="zh-CN" altLang="en-US" sz="2800" b="1" dirty="0" smtClean="0">
+              <a:rPr lang="zh-CN" altLang="en-US" sz="2800" b="1" dirty="0">
                 <a:solidFill>
                   <a:schemeClr val="bg1"/>
                 </a:solidFill>
@@ -28843,13 +28509,6 @@
               </a:rPr>
               <a:t>矢量场的分类</a:t>
             </a:r>
-            <a:endParaRPr lang="zh-CN" altLang="en-US" sz="2800" b="1" dirty="0">
-              <a:solidFill>
-                <a:schemeClr val="bg1"/>
-              </a:solidFill>
-              <a:latin typeface="华文新魏" panose="02010800040101010101" pitchFamily="2" charset="-122"/>
-              <a:ea typeface="华文新魏" panose="02010800040101010101" pitchFamily="2" charset="-122"/>
-            </a:endParaRPr>
           </a:p>
         </p:txBody>
       </p:sp>
@@ -28880,7 +28539,7 @@
               </a:spcBef>
             </a:pPr>
             <a:r>
-              <a:rPr lang="zh-CN" altLang="en-US" sz="2800" b="1" dirty="0" smtClean="0">
+              <a:rPr lang="zh-CN" altLang="en-US" sz="2800" b="1" dirty="0">
                 <a:solidFill>
                   <a:schemeClr val="bg1"/>
                 </a:solidFill>
@@ -28889,13 +28548,6 @@
               </a:rPr>
               <a:t>散度定理</a:t>
             </a:r>
-            <a:endParaRPr lang="zh-CN" altLang="en-US" sz="2800" b="1" dirty="0">
-              <a:solidFill>
-                <a:schemeClr val="bg1"/>
-              </a:solidFill>
-              <a:latin typeface="华文新魏" panose="02010800040101010101" pitchFamily="2" charset="-122"/>
-              <a:ea typeface="华文新魏" panose="02010800040101010101" pitchFamily="2" charset="-122"/>
-            </a:endParaRPr>
           </a:p>
         </p:txBody>
       </p:sp>
@@ -29465,7 +29117,7 @@
                 <a:defRPr/>
               </a:pPr>
               <a:r>
-                <a:rPr lang="en-US" altLang="zh-CN" sz="4000" b="1" dirty="0" smtClean="0">
+                <a:rPr lang="en-US" altLang="zh-CN" sz="4000" b="1" dirty="0">
                   <a:solidFill>
                     <a:schemeClr val="bg1"/>
                   </a:solidFill>
@@ -29652,7 +29304,7 @@
                 <a:buNone/>
               </a:pPr>
               <a:r>
-                <a:rPr lang="zh-CN" altLang="en-US" sz="2400" b="1" dirty="0" smtClean="0">
+                <a:rPr lang="zh-CN" altLang="en-US" sz="2400" b="1" dirty="0">
                   <a:latin typeface="华文新魏" panose="02010800040101010101" pitchFamily="2" charset="-122"/>
                   <a:ea typeface="华文新魏" panose="02010800040101010101" pitchFamily="2" charset="-122"/>
                   <a:cs typeface="Segoe UI Semilight" panose="020B0402040204020203" pitchFamily="34" charset="0"/>
@@ -30255,7 +29907,7 @@
                 <a:defRPr/>
               </a:pPr>
               <a:r>
-                <a:rPr lang="en-US" altLang="zh-CN" sz="4000" dirty="0" smtClean="0">
+                <a:rPr lang="en-US" altLang="zh-CN" sz="4000" dirty="0">
                   <a:solidFill>
                     <a:schemeClr val="bg1"/>
                   </a:solidFill>
@@ -30388,7 +30040,7 @@
                 </a:lnSpc>
               </a:pPr>
               <a:r>
-                <a:rPr lang="zh-CN" altLang="en-US" dirty="0" smtClean="0"/>
+                <a:rPr lang="zh-CN" altLang="en-US" dirty="0"/>
                 <a:t>矢量场与源的因果关系</a:t>
               </a:r>
               <a:endParaRPr lang="en-US" altLang="zh-CN" dirty="0"/>
@@ -30769,10 +30421,9 @@
               <a:buNone/>
             </a:pPr>
             <a:r>
-              <a:rPr lang="zh-CN" altLang="en-US" dirty="0" smtClean="0"/>
+              <a:rPr lang="zh-CN" altLang="en-US" dirty="0"/>
               <a:t>一、矢量场的分类</a:t>
             </a:r>
-            <a:endParaRPr lang="zh-CN" altLang="en-US" dirty="0"/>
           </a:p>
         </p:txBody>
       </p:sp>
@@ -33100,16 +32751,12 @@
               </a:lnSpc>
             </a:pPr>
             <a:r>
-              <a:rPr lang="zh-CN" altLang="en-US" sz="2400" dirty="0" smtClean="0">
+              <a:rPr lang="zh-CN" altLang="en-US" sz="2400" dirty="0">
                 <a:latin typeface="华文新魏" panose="02010800040101010101" pitchFamily="2" charset="-122"/>
                 <a:ea typeface="华文新魏" panose="02010800040101010101" pitchFamily="2" charset="-122"/>
               </a:rPr>
               <a:t>无散场</a:t>
             </a:r>
-            <a:endParaRPr lang="zh-CN" altLang="en-US" sz="2400" dirty="0">
-              <a:latin typeface="华文新魏" panose="02010800040101010101" pitchFamily="2" charset="-122"/>
-              <a:ea typeface="华文新魏" panose="02010800040101010101" pitchFamily="2" charset="-122"/>
-            </a:endParaRPr>
           </a:p>
         </p:txBody>
       </p:sp>
@@ -33145,16 +32792,12 @@
               </a:lnSpc>
             </a:pPr>
             <a:r>
-              <a:rPr lang="zh-CN" altLang="en-US" sz="2400" dirty="0" smtClean="0">
+              <a:rPr lang="zh-CN" altLang="en-US" sz="2400" dirty="0">
                 <a:latin typeface="华文新魏" panose="02010800040101010101" pitchFamily="2" charset="-122"/>
                 <a:ea typeface="华文新魏" panose="02010800040101010101" pitchFamily="2" charset="-122"/>
               </a:rPr>
               <a:t>无散无旋场</a:t>
             </a:r>
-            <a:endParaRPr lang="zh-CN" altLang="en-US" sz="2400" dirty="0">
-              <a:latin typeface="华文新魏" panose="02010800040101010101" pitchFamily="2" charset="-122"/>
-              <a:ea typeface="华文新魏" panose="02010800040101010101" pitchFamily="2" charset="-122"/>
-            </a:endParaRPr>
           </a:p>
         </p:txBody>
       </p:sp>
@@ -33190,16 +32833,12 @@
               </a:lnSpc>
             </a:pPr>
             <a:r>
-              <a:rPr lang="zh-CN" altLang="en-US" sz="2400" dirty="0" smtClean="0">
+              <a:rPr lang="zh-CN" altLang="en-US" sz="2400" dirty="0">
                 <a:latin typeface="华文新魏" panose="02010800040101010101" pitchFamily="2" charset="-122"/>
                 <a:ea typeface="华文新魏" panose="02010800040101010101" pitchFamily="2" charset="-122"/>
               </a:rPr>
               <a:t>无旋场</a:t>
             </a:r>
-            <a:endParaRPr lang="zh-CN" altLang="en-US" sz="2400" dirty="0">
-              <a:latin typeface="华文新魏" panose="02010800040101010101" pitchFamily="2" charset="-122"/>
-              <a:ea typeface="华文新魏" panose="02010800040101010101" pitchFamily="2" charset="-122"/>
-            </a:endParaRPr>
           </a:p>
         </p:txBody>
       </p:sp>
@@ -33235,16 +32874,12 @@
               </a:lnSpc>
             </a:pPr>
             <a:r>
-              <a:rPr lang="zh-CN" altLang="en-US" sz="2400" dirty="0" smtClean="0">
+              <a:rPr lang="zh-CN" altLang="en-US" sz="2400" dirty="0">
                 <a:latin typeface="华文新魏" panose="02010800040101010101" pitchFamily="2" charset="-122"/>
                 <a:ea typeface="华文新魏" panose="02010800040101010101" pitchFamily="2" charset="-122"/>
               </a:rPr>
               <a:t>有散有旋场</a:t>
             </a:r>
-            <a:endParaRPr lang="zh-CN" altLang="en-US" sz="2400" dirty="0">
-              <a:latin typeface="华文新魏" panose="02010800040101010101" pitchFamily="2" charset="-122"/>
-              <a:ea typeface="华文新魏" panose="02010800040101010101" pitchFamily="2" charset="-122"/>
-            </a:endParaRPr>
           </a:p>
         </p:txBody>
       </p:sp>
@@ -33509,48 +33144,20 @@
               <a:buAutoNum type="circleNumDbPlain"/>
             </a:pPr>
             <a:r>
-              <a:rPr lang="zh-CN" altLang="en-US" sz="1800" dirty="0" smtClean="0">
+              <a:rPr lang="zh-CN" altLang="en-US" sz="1800" dirty="0">
                 <a:latin typeface="+mn-ea"/>
                 <a:ea typeface="+mn-ea"/>
               </a:rPr>
               <a:t>特性：</a:t>
             </a:r>
             <a:r>
-              <a:rPr lang="zh-CN" altLang="zh-CN" sz="1800" dirty="0" smtClean="0">
-                <a:latin typeface="+mn-ea"/>
-                <a:ea typeface="+mn-ea"/>
-              </a:rPr>
-              <a:t>无旋场</a:t>
-            </a:r>
-            <a:r>
               <a:rPr lang="zh-CN" altLang="zh-CN" sz="1800" dirty="0">
                 <a:latin typeface="+mn-ea"/>
                 <a:ea typeface="+mn-ea"/>
               </a:rPr>
-              <a:t>无旋！即场空间无旋度源，矢量场呈发散状</a:t>
+              <a:t>无旋场无旋！即场空间无旋度源，矢量场呈发散状分布，其各</a:t>
             </a:r>
-            <a:r>
-              <a:rPr lang="zh-CN" altLang="zh-CN" sz="1800" dirty="0" smtClean="0">
-                <a:latin typeface="+mn-ea"/>
-                <a:ea typeface="+mn-ea"/>
-              </a:rPr>
-              <a:t>分布</a:t>
-            </a:r>
-            <a:r>
-              <a:rPr lang="zh-CN" altLang="zh-CN" sz="1800" dirty="0">
-                <a:latin typeface="+mn-ea"/>
-                <a:ea typeface="+mn-ea"/>
-              </a:rPr>
-              <a:t>，其</a:t>
-            </a:r>
-            <a:r>
-              <a:rPr lang="zh-CN" altLang="zh-CN" sz="1800" dirty="0" smtClean="0">
-                <a:latin typeface="+mn-ea"/>
-                <a:ea typeface="+mn-ea"/>
-              </a:rPr>
-              <a:t>各</a:t>
-            </a:r>
-            <a:endParaRPr lang="en-US" altLang="zh-CN" sz="1800" dirty="0" smtClean="0">
+            <a:endParaRPr lang="en-US" altLang="zh-CN" sz="1800" dirty="0">
               <a:latin typeface="+mn-ea"/>
               <a:ea typeface="+mn-ea"/>
             </a:endParaRPr>
@@ -33573,38 +33180,17 @@
                 <a:latin typeface="+mn-ea"/>
                 <a:ea typeface="+mn-ea"/>
               </a:rPr>
-              <a:t> </a:t>
-            </a:r>
-            <a:r>
-              <a:rPr lang="en-US" altLang="zh-CN" sz="1800" dirty="0" smtClean="0">
-                <a:latin typeface="+mn-ea"/>
-                <a:ea typeface="+mn-ea"/>
-              </a:rPr>
-              <a:t>        </a:t>
-            </a:r>
-            <a:r>
-              <a:rPr lang="zh-CN" altLang="zh-CN" sz="1800" dirty="0" smtClean="0">
-                <a:latin typeface="+mn-ea"/>
-                <a:ea typeface="+mn-ea"/>
-              </a:rPr>
-              <a:t>处</a:t>
+              <a:t>         </a:t>
             </a:r>
             <a:r>
               <a:rPr lang="zh-CN" altLang="zh-CN" sz="1800" dirty="0">
                 <a:latin typeface="+mn-ea"/>
                 <a:ea typeface="+mn-ea"/>
               </a:rPr>
-              <a:t>的旋度为</a:t>
+              <a:t>处的旋度为零</a:t>
             </a:r>
             <a:r>
-              <a:rPr lang="zh-CN" altLang="zh-CN" sz="1800" dirty="0" smtClean="0">
-                <a:latin typeface="+mn-ea"/>
-                <a:ea typeface="+mn-ea"/>
-              </a:rPr>
-              <a:t>零</a:t>
-            </a:r>
-            <a:r>
-              <a:rPr lang="zh-CN" altLang="en-US" sz="1800" dirty="0" smtClean="0">
+              <a:rPr lang="zh-CN" altLang="en-US" sz="1800" dirty="0">
                 <a:latin typeface="+mn-ea"/>
                 <a:ea typeface="+mn-ea"/>
               </a:rPr>
@@ -33876,12 +33462,12 @@
           <a:graphicData uri="http://schemas.openxmlformats.org/presentationml/2006/ole">
             <mc:AlternateContent xmlns:mc="http://schemas.openxmlformats.org/markup-compatibility/2006">
               <mc:Choice xmlns:v="urn:schemas-microsoft-com:vml" Requires="v">
-                <p:oleObj spid="_x0000_s7969" name="Equation" r:id="rId4" imgW="825480" imgH="317160" progId="Equation.DSMT4">
+                <p:oleObj name="Equation" r:id="rId3" imgW="825480" imgH="317160" progId="Equation.DSMT4">
                   <p:embed/>
                 </p:oleObj>
               </mc:Choice>
               <mc:Fallback>
-                <p:oleObj name="Equation" r:id="rId4" imgW="825480" imgH="317160" progId="Equation.DSMT4">
+                <p:oleObj name="Equation" r:id="rId3" imgW="825480" imgH="317160" progId="Equation.DSMT4">
                   <p:embed/>
                   <p:pic>
                     <p:nvPicPr>
@@ -33892,7 +33478,7 @@
                       <p:nvPr/>
                     </p:nvPicPr>
                     <p:blipFill>
-                      <a:blip r:embed="rId5"/>
+                      <a:blip r:embed="rId4"/>
                       <a:srcRect/>
                       <a:stretch>
                         <a:fillRect/>
@@ -33940,12 +33526,12 @@
           <a:graphicData uri="http://schemas.openxmlformats.org/presentationml/2006/ole">
             <mc:AlternateContent xmlns:mc="http://schemas.openxmlformats.org/markup-compatibility/2006">
               <mc:Choice xmlns:v="urn:schemas-microsoft-com:vml" Requires="v">
-                <p:oleObj spid="_x0000_s7970" name="Equation" r:id="rId6" imgW="634680" imgH="215640" progId="Equation.DSMT4">
+                <p:oleObj name="Equation" r:id="rId5" imgW="634680" imgH="215640" progId="Equation.DSMT4">
                   <p:embed/>
                 </p:oleObj>
               </mc:Choice>
               <mc:Fallback>
-                <p:oleObj name="Equation" r:id="rId6" imgW="634680" imgH="215640" progId="Equation.DSMT4">
+                <p:oleObj name="Equation" r:id="rId5" imgW="634680" imgH="215640" progId="Equation.DSMT4">
                   <p:embed/>
                   <p:pic>
                     <p:nvPicPr>
@@ -33954,7 +33540,7 @@
                       <p:nvPr/>
                     </p:nvPicPr>
                     <p:blipFill>
-                      <a:blip r:embed="rId7"/>
+                      <a:blip r:embed="rId6"/>
                       <a:stretch>
                         <a:fillRect/>
                       </a:stretch>
@@ -34997,12 +34583,12 @@
           <a:graphicData uri="http://schemas.openxmlformats.org/presentationml/2006/ole">
             <mc:AlternateContent xmlns:mc="http://schemas.openxmlformats.org/markup-compatibility/2006">
               <mc:Choice xmlns:v="urn:schemas-microsoft-com:vml" Requires="v">
-                <p:oleObj spid="_x0000_s7971" name="Equation" r:id="rId8" imgW="761760" imgH="203040" progId="Equation.DSMT4">
+                <p:oleObj name="Equation" r:id="rId7" imgW="761760" imgH="203040" progId="Equation.DSMT4">
                   <p:embed/>
                 </p:oleObj>
               </mc:Choice>
               <mc:Fallback>
-                <p:oleObj name="Equation" r:id="rId8" imgW="761760" imgH="203040" progId="Equation.DSMT4">
+                <p:oleObj name="Equation" r:id="rId7" imgW="761760" imgH="203040" progId="Equation.DSMT4">
                   <p:embed/>
                   <p:pic>
                     <p:nvPicPr>
@@ -35011,7 +34597,7 @@
                       <p:nvPr/>
                     </p:nvPicPr>
                     <p:blipFill>
-                      <a:blip r:embed="rId9"/>
+                      <a:blip r:embed="rId8"/>
                       <a:stretch>
                         <a:fillRect/>
                       </a:stretch>
@@ -35054,12 +34640,12 @@
           <a:graphicData uri="http://schemas.openxmlformats.org/presentationml/2006/ole">
             <mc:AlternateContent xmlns:mc="http://schemas.openxmlformats.org/markup-compatibility/2006">
               <mc:Choice xmlns:v="urn:schemas-microsoft-com:vml" Requires="v">
-                <p:oleObj spid="_x0000_s7972" name="Equation" r:id="rId10" imgW="504945" imgH="114417" progId="Equation.DSMT4">
+                <p:oleObj name="Equation" r:id="rId9" imgW="504945" imgH="114417" progId="Equation.DSMT4">
                   <p:embed/>
                 </p:oleObj>
               </mc:Choice>
               <mc:Fallback>
-                <p:oleObj name="Equation" r:id="rId10" imgW="504945" imgH="114417" progId="Equation.DSMT4">
+                <p:oleObj name="Equation" r:id="rId9" imgW="504945" imgH="114417" progId="Equation.DSMT4">
                   <p:embed/>
                   <p:pic>
                     <p:nvPicPr>
@@ -35070,7 +34656,7 @@
                       <p:nvPr/>
                     </p:nvPicPr>
                     <p:blipFill>
-                      <a:blip r:embed="rId11">
+                      <a:blip r:embed="rId10">
                         <a:extLst>
                           <a:ext uri="{28A0092B-C50C-407E-A947-70E740481C1C}">
                             <a14:useLocalDpi xmlns:a14="http://schemas.microsoft.com/office/drawing/2010/main" val="0"/>
@@ -35386,7 +34972,7 @@
               <a:buChar char="l"/>
             </a:pPr>
             <a:r>
-              <a:rPr lang="zh-CN" altLang="en-US" sz="2200" dirty="0" smtClean="0">
+              <a:rPr lang="zh-CN" altLang="en-US" sz="2200" dirty="0">
                 <a:latin typeface="+mn-ea"/>
                 <a:ea typeface="+mn-ea"/>
               </a:rPr>
@@ -35784,12 +35370,8 @@
           </a:lstStyle>
           <a:p>
             <a:r>
-              <a:rPr lang="zh-CN" altLang="en-US" dirty="0" smtClean="0"/>
-              <a:t>无</a:t>
-            </a:r>
-            <a:r>
               <a:rPr lang="zh-CN" altLang="en-US" dirty="0"/>
-              <a:t>散场</a:t>
+              <a:t>无散场</a:t>
             </a:r>
           </a:p>
         </p:txBody>
@@ -36300,12 +35882,12 @@
           <a:graphicData uri="http://schemas.openxmlformats.org/presentationml/2006/ole">
             <mc:AlternateContent xmlns:mc="http://schemas.openxmlformats.org/markup-compatibility/2006">
               <mc:Choice xmlns:v="urn:schemas-microsoft-com:vml" Requires="v">
-                <p:oleObj spid="_x0000_s30890" name="Equation" r:id="rId4" imgW="596880" imgH="215640" progId="Equation.DSMT4">
+                <p:oleObj name="Equation" r:id="rId3" imgW="596880" imgH="215640" progId="Equation.DSMT4">
                   <p:embed/>
                 </p:oleObj>
               </mc:Choice>
               <mc:Fallback>
-                <p:oleObj name="Equation" r:id="rId4" imgW="596880" imgH="215640" progId="Equation.DSMT4">
+                <p:oleObj name="Equation" r:id="rId3" imgW="596880" imgH="215640" progId="Equation.DSMT4">
                   <p:embed/>
                   <p:pic>
                     <p:nvPicPr>
@@ -36314,7 +35896,7 @@
                       <p:nvPr/>
                     </p:nvPicPr>
                     <p:blipFill>
-                      <a:blip r:embed="rId5"/>
+                      <a:blip r:embed="rId4"/>
                       <a:stretch>
                         <a:fillRect/>
                       </a:stretch>
@@ -36357,12 +35939,12 @@
           <a:graphicData uri="http://schemas.openxmlformats.org/presentationml/2006/ole">
             <mc:AlternateContent xmlns:mc="http://schemas.openxmlformats.org/markup-compatibility/2006">
               <mc:Choice xmlns:v="urn:schemas-microsoft-com:vml" Requires="v">
-                <p:oleObj spid="_x0000_s30891" name="Equation" r:id="rId6" imgW="799920" imgH="228600" progId="Equation.DSMT4">
+                <p:oleObj name="Equation" r:id="rId5" imgW="799920" imgH="228600" progId="Equation.DSMT4">
                   <p:embed/>
                 </p:oleObj>
               </mc:Choice>
               <mc:Fallback>
-                <p:oleObj name="Equation" r:id="rId6" imgW="799920" imgH="228600" progId="Equation.DSMT4">
+                <p:oleObj name="Equation" r:id="rId5" imgW="799920" imgH="228600" progId="Equation.DSMT4">
                   <p:embed/>
                   <p:pic>
                     <p:nvPicPr>
@@ -36371,7 +35953,7 @@
                       <p:nvPr/>
                     </p:nvPicPr>
                     <p:blipFill>
-                      <a:blip r:embed="rId7"/>
+                      <a:blip r:embed="rId6"/>
                       <a:stretch>
                         <a:fillRect/>
                       </a:stretch>
@@ -38305,12 +37887,12 @@
           <a:graphicData uri="http://schemas.openxmlformats.org/presentationml/2006/ole">
             <mc:AlternateContent xmlns:mc="http://schemas.openxmlformats.org/markup-compatibility/2006">
               <mc:Choice xmlns:v="urn:schemas-microsoft-com:vml" Requires="v">
-                <p:oleObj spid="_x0000_s30892" name="Equation" r:id="rId8" imgW="672840" imgH="215640" progId="Equation.DSMT4">
+                <p:oleObj name="Equation" r:id="rId7" imgW="672840" imgH="215640" progId="Equation.DSMT4">
                   <p:embed/>
                 </p:oleObj>
               </mc:Choice>
               <mc:Fallback>
-                <p:oleObj name="Equation" r:id="rId8" imgW="672840" imgH="215640" progId="Equation.DSMT4">
+                <p:oleObj name="Equation" r:id="rId7" imgW="672840" imgH="215640" progId="Equation.DSMT4">
                   <p:embed/>
                   <p:pic>
                     <p:nvPicPr>
@@ -38321,7 +37903,7 @@
                       <p:nvPr/>
                     </p:nvPicPr>
                     <p:blipFill>
-                      <a:blip r:embed="rId9"/>
+                      <a:blip r:embed="rId8"/>
                       <a:srcRect/>
                       <a:stretch>
                         <a:fillRect/>
@@ -38340,7 +37922,6 @@
                         <a:noFill/>
                       </a:ln>
                       <a:effectLst/>
-                      <a:extLst/>
                     </p:spPr>
                   </p:pic>
                 </p:oleObj>
@@ -38371,12 +37952,12 @@
           <a:graphicData uri="http://schemas.openxmlformats.org/presentationml/2006/ole">
             <mc:AlternateContent xmlns:mc="http://schemas.openxmlformats.org/markup-compatibility/2006">
               <mc:Choice xmlns:v="urn:schemas-microsoft-com:vml" Requires="v">
-                <p:oleObj spid="_x0000_s30893" name="Equation" r:id="rId10" imgW="838080" imgH="317160" progId="Equation.DSMT4">
+                <p:oleObj name="Equation" r:id="rId9" imgW="838080" imgH="317160" progId="Equation.DSMT4">
                   <p:embed/>
                 </p:oleObj>
               </mc:Choice>
               <mc:Fallback>
-                <p:oleObj name="Equation" r:id="rId10" imgW="838080" imgH="317160" progId="Equation.DSMT4">
+                <p:oleObj name="Equation" r:id="rId9" imgW="838080" imgH="317160" progId="Equation.DSMT4">
                   <p:embed/>
                   <p:pic>
                     <p:nvPicPr>
@@ -38387,7 +37968,7 @@
                       <p:nvPr/>
                     </p:nvPicPr>
                     <p:blipFill>
-                      <a:blip r:embed="rId11"/>
+                      <a:blip r:embed="rId10"/>
                       <a:srcRect/>
                       <a:stretch>
                         <a:fillRect/>
@@ -38788,12 +38369,8 @@
           </a:lstStyle>
           <a:p>
             <a:r>
-              <a:rPr lang="zh-CN" altLang="en-US" dirty="0" smtClean="0"/>
-              <a:t>有</a:t>
-            </a:r>
-            <a:r>
               <a:rPr lang="zh-CN" altLang="en-US" dirty="0"/>
-              <a:t>散有旋场</a:t>
+              <a:t>有散有旋场</a:t>
             </a:r>
           </a:p>
         </p:txBody>
@@ -39041,30 +38618,9 @@
                 <a:latin typeface="+mn-ea"/>
                 <a:ea typeface="+mn-ea"/>
               </a:rPr>
-              <a:t>场空间即存在散度源，也存在旋度源。场源所在</a:t>
+              <a:t>场空间即存在散度源，也存在旋度源。场源所在位置处，其</a:t>
             </a:r>
-            <a:r>
-              <a:rPr lang="zh-CN" altLang="zh-CN" sz="1800" dirty="0" smtClean="0">
-                <a:latin typeface="+mn-ea"/>
-                <a:ea typeface="+mn-ea"/>
-              </a:rPr>
-              <a:t>位置处</a:t>
-            </a:r>
-            <a:r>
-              <a:rPr lang="zh-CN" altLang="zh-CN" sz="1800" dirty="0">
-                <a:latin typeface="+mn-ea"/>
-                <a:ea typeface="+mn-ea"/>
-              </a:rPr>
-              <a:t>，</a:t>
-            </a:r>
-            <a:r>
-              <a:rPr lang="zh-CN" altLang="zh-CN" sz="1800" dirty="0" smtClean="0">
-                <a:latin typeface="+mn-ea"/>
-                <a:ea typeface="+mn-ea"/>
-              </a:rPr>
-              <a:t>其</a:t>
-            </a:r>
-            <a:endParaRPr lang="en-US" altLang="zh-CN" sz="1800" dirty="0" smtClean="0">
+            <a:endParaRPr lang="en-US" altLang="zh-CN" sz="1800" dirty="0">
               <a:latin typeface="+mn-ea"/>
               <a:ea typeface="+mn-ea"/>
             </a:endParaRPr>
@@ -39088,28 +38644,14 @@
                 <a:latin typeface="+mn-ea"/>
                 <a:ea typeface="+mn-ea"/>
               </a:rPr>
-              <a:t> </a:t>
-            </a:r>
-            <a:r>
-              <a:rPr lang="en-US" altLang="zh-CN" sz="1800" dirty="0" smtClean="0">
-                <a:latin typeface="+mn-ea"/>
-                <a:ea typeface="+mn-ea"/>
-              </a:rPr>
-              <a:t>        </a:t>
-            </a:r>
-            <a:r>
-              <a:rPr lang="zh-CN" altLang="zh-CN" sz="1800" dirty="0" smtClean="0">
-                <a:latin typeface="+mn-ea"/>
-                <a:ea typeface="+mn-ea"/>
-              </a:rPr>
-              <a:t>相应</a:t>
+              <a:t>         </a:t>
             </a:r>
             <a:r>
               <a:rPr lang="zh-CN" altLang="zh-CN" sz="1800" dirty="0">
                 <a:latin typeface="+mn-ea"/>
                 <a:ea typeface="+mn-ea"/>
               </a:rPr>
-              <a:t>的散度或旋度不为零。</a:t>
+              <a:t>相应的散度或旋度不为零。</a:t>
             </a:r>
             <a:endParaRPr lang="zh-CN" altLang="en-US" sz="1800" dirty="0">
               <a:latin typeface="+mn-ea"/>
@@ -41352,12 +40894,12 @@
           <a:graphicData uri="http://schemas.openxmlformats.org/presentationml/2006/ole">
             <mc:AlternateContent xmlns:mc="http://schemas.openxmlformats.org/markup-compatibility/2006">
               <mc:Choice xmlns:v="urn:schemas-microsoft-com:vml" Requires="v">
-                <p:oleObj spid="_x0000_s31838" name="Equation" r:id="rId4" imgW="1320227" imgH="241195" progId="Equation.DSMT4">
+                <p:oleObj name="Equation" r:id="rId3" imgW="1320227" imgH="241195" progId="Equation.DSMT4">
                   <p:embed/>
                 </p:oleObj>
               </mc:Choice>
               <mc:Fallback>
-                <p:oleObj name="Equation" r:id="rId4" imgW="1320227" imgH="241195" progId="Equation.DSMT4">
+                <p:oleObj name="Equation" r:id="rId3" imgW="1320227" imgH="241195" progId="Equation.DSMT4">
                   <p:embed/>
                   <p:pic>
                     <p:nvPicPr>
@@ -41368,7 +40910,7 @@
                       <p:nvPr/>
                     </p:nvPicPr>
                     <p:blipFill>
-                      <a:blip r:embed="rId5">
+                      <a:blip r:embed="rId4">
                         <a:extLst>
                           <a:ext uri="{28A0092B-C50C-407E-A947-70E740481C1C}">
                             <a14:useLocalDpi xmlns:a14="http://schemas.microsoft.com/office/drawing/2010/main" val="0"/>
@@ -41393,7 +40935,6 @@
                         <a:noFill/>
                       </a:ln>
                       <a:effectLst/>
-                      <a:extLst/>
                     </p:spPr>
                   </p:pic>
                 </p:oleObj>
@@ -41424,12 +40965,12 @@
           <a:graphicData uri="http://schemas.openxmlformats.org/presentationml/2006/ole">
             <mc:AlternateContent xmlns:mc="http://schemas.openxmlformats.org/markup-compatibility/2006">
               <mc:Choice xmlns:v="urn:schemas-microsoft-com:vml" Requires="v">
-                <p:oleObj spid="_x0000_s31839" name="Equation" r:id="rId6" imgW="1371600" imgH="253800" progId="Equation.DSMT4">
+                <p:oleObj name="Equation" r:id="rId5" imgW="1371600" imgH="253800" progId="Equation.DSMT4">
                   <p:embed/>
                 </p:oleObj>
               </mc:Choice>
               <mc:Fallback>
-                <p:oleObj name="Equation" r:id="rId6" imgW="1371600" imgH="253800" progId="Equation.DSMT4">
+                <p:oleObj name="Equation" r:id="rId5" imgW="1371600" imgH="253800" progId="Equation.DSMT4">
                   <p:embed/>
                   <p:pic>
                     <p:nvPicPr>
@@ -41438,7 +40979,7 @@
                       <p:nvPr/>
                     </p:nvPicPr>
                     <p:blipFill>
-                      <a:blip r:embed="rId7"/>
+                      <a:blip r:embed="rId6"/>
                       <a:stretch>
                         <a:fillRect/>
                       </a:stretch>
@@ -41504,19 +41045,8 @@
                 <a:latin typeface="Times" panose="02020603050405020304" pitchFamily="18" charset="0"/>
                 <a:cs typeface="Times" panose="02020603050405020304" pitchFamily="18" charset="0"/>
               </a:rPr>
-              <a:t>无旋场</a:t>
+              <a:t>无旋场部分</a:t>
             </a:r>
-            <a:r>
-              <a:rPr lang="zh-CN" altLang="en-US" sz="1600" b="1" dirty="0" smtClean="0">
-                <a:latin typeface="Times" panose="02020603050405020304" pitchFamily="18" charset="0"/>
-                <a:cs typeface="Times" panose="02020603050405020304" pitchFamily="18" charset="0"/>
-              </a:rPr>
-              <a:t>部分</a:t>
-            </a:r>
-            <a:endParaRPr lang="zh-CN" altLang="en-US" sz="1600" b="1" dirty="0">
-              <a:latin typeface="Times" panose="02020603050405020304" pitchFamily="18" charset="0"/>
-              <a:cs typeface="Times" panose="02020603050405020304" pitchFamily="18" charset="0"/>
-            </a:endParaRPr>
           </a:p>
         </p:txBody>
       </p:sp>
@@ -41561,30 +41091,12 @@
           <a:p>
             <a:pPr algn="ctr"/>
             <a:r>
-              <a:rPr lang="zh-CN" altLang="en-US" sz="1600" b="1" dirty="0" smtClean="0">
-                <a:latin typeface="Times" panose="02020603050405020304" pitchFamily="18" charset="0"/>
-                <a:cs typeface="Times" panose="02020603050405020304" pitchFamily="18" charset="0"/>
-              </a:rPr>
-              <a:t>无</a:t>
-            </a:r>
-            <a:r>
               <a:rPr lang="zh-CN" altLang="en-US" sz="1600" b="1" dirty="0">
                 <a:latin typeface="Times" panose="02020603050405020304" pitchFamily="18" charset="0"/>
                 <a:cs typeface="Times" panose="02020603050405020304" pitchFamily="18" charset="0"/>
               </a:rPr>
-              <a:t>散</a:t>
+              <a:t>无散场部分</a:t>
             </a:r>
-            <a:r>
-              <a:rPr lang="zh-CN" altLang="en-US" sz="1600" b="1" dirty="0" smtClean="0">
-                <a:latin typeface="Times" panose="02020603050405020304" pitchFamily="18" charset="0"/>
-                <a:cs typeface="Times" panose="02020603050405020304" pitchFamily="18" charset="0"/>
-              </a:rPr>
-              <a:t>场部分</a:t>
-            </a:r>
-            <a:endParaRPr lang="zh-CN" altLang="en-US" sz="1600" b="1" dirty="0">
-              <a:latin typeface="Times" panose="02020603050405020304" pitchFamily="18" charset="0"/>
-              <a:cs typeface="Times" panose="02020603050405020304" pitchFamily="18" charset="0"/>
-            </a:endParaRPr>
           </a:p>
         </p:txBody>
       </p:sp>
@@ -41980,12 +41492,8 @@
           </a:lstStyle>
           <a:p>
             <a:r>
-              <a:rPr lang="zh-CN" altLang="en-US" dirty="0" smtClean="0"/>
-              <a:t>无</a:t>
-            </a:r>
-            <a:r>
               <a:rPr lang="zh-CN" altLang="en-US" dirty="0"/>
-              <a:t>散无旋场</a:t>
+              <a:t>无散无旋场</a:t>
             </a:r>
           </a:p>
         </p:txBody>
@@ -42234,21 +41742,7 @@
                 <a:latin typeface="+mn-ea"/>
                 <a:ea typeface="+mn-ea"/>
               </a:rPr>
-              <a:t>所关心的场空间内无源，其中各处的散度和旋度均</a:t>
-            </a:r>
-            <a:r>
-              <a:rPr lang="zh-CN" altLang="zh-CN" sz="1800" dirty="0" smtClean="0">
-                <a:latin typeface="+mn-ea"/>
-                <a:ea typeface="+mn-ea"/>
-              </a:rPr>
-              <a:t>为零</a:t>
-            </a:r>
-            <a:r>
-              <a:rPr lang="zh-CN" altLang="zh-CN" sz="1800" dirty="0">
-                <a:latin typeface="+mn-ea"/>
-                <a:ea typeface="+mn-ea"/>
-              </a:rPr>
-              <a:t>。</a:t>
+              <a:t>所关心的场空间内无源，其中各处的散度和旋度均为零。</a:t>
             </a:r>
           </a:p>
         </p:txBody>
@@ -42989,12 +42483,12 @@
           <a:graphicData uri="http://schemas.openxmlformats.org/presentationml/2006/ole">
             <mc:AlternateContent xmlns:mc="http://schemas.openxmlformats.org/markup-compatibility/2006">
               <mc:Choice xmlns:v="urn:schemas-microsoft-com:vml" Requires="v">
-                <p:oleObj spid="_x0000_s32838" name="Equation" r:id="rId4" imgW="1549080" imgH="215640" progId="Equation.DSMT4">
+                <p:oleObj name="Equation" r:id="rId3" imgW="1549080" imgH="215640" progId="Equation.DSMT4">
                   <p:embed/>
                 </p:oleObj>
               </mc:Choice>
               <mc:Fallback>
-                <p:oleObj name="Equation" r:id="rId4" imgW="1549080" imgH="215640" progId="Equation.DSMT4">
+                <p:oleObj name="Equation" r:id="rId3" imgW="1549080" imgH="215640" progId="Equation.DSMT4">
                   <p:embed/>
                   <p:pic>
                     <p:nvPicPr>
@@ -43005,7 +42499,7 @@
                       <p:nvPr/>
                     </p:nvPicPr>
                     <p:blipFill>
-                      <a:blip r:embed="rId5"/>
+                      <a:blip r:embed="rId4"/>
                       <a:srcRect/>
                       <a:stretch>
                         <a:fillRect/>
@@ -43054,12 +42548,12 @@
           <a:graphicData uri="http://schemas.openxmlformats.org/presentationml/2006/ole">
             <mc:AlternateContent xmlns:mc="http://schemas.openxmlformats.org/markup-compatibility/2006">
               <mc:Choice xmlns:v="urn:schemas-microsoft-com:vml" Requires="v">
-                <p:oleObj spid="_x0000_s32839" name="Equation" r:id="rId6" imgW="1155600" imgH="228600" progId="Equation.DSMT4">
+                <p:oleObj name="Equation" r:id="rId5" imgW="1155600" imgH="228600" progId="Equation.DSMT4">
                   <p:embed/>
                 </p:oleObj>
               </mc:Choice>
               <mc:Fallback>
-                <p:oleObj name="Equation" r:id="rId6" imgW="1155600" imgH="228600" progId="Equation.DSMT4">
+                <p:oleObj name="Equation" r:id="rId5" imgW="1155600" imgH="228600" progId="Equation.DSMT4">
                   <p:embed/>
                   <p:pic>
                     <p:nvPicPr>
@@ -43070,7 +42564,7 @@
                       <p:nvPr/>
                     </p:nvPicPr>
                     <p:blipFill>
-                      <a:blip r:embed="rId7"/>
+                      <a:blip r:embed="rId6"/>
                       <a:srcRect/>
                       <a:stretch>
                         <a:fillRect/>
